--- a/Image processing lessons/Lesson 1.pptx
+++ b/Image processing lessons/Lesson 1.pptx
@@ -5,13 +5,32 @@
     <p:sldMasterId id="2147483660" r:id="rId1"/>
   </p:sldMasterIdLst>
   <p:notesMasterIdLst>
-    <p:notesMasterId r:id="rId6"/>
+    <p:notesMasterId r:id="rId25"/>
   </p:notesMasterIdLst>
   <p:sldIdLst>
     <p:sldId id="256" r:id="rId2"/>
-    <p:sldId id="257" r:id="rId3"/>
-    <p:sldId id="285" r:id="rId4"/>
-    <p:sldId id="284" r:id="rId5"/>
+    <p:sldId id="296" r:id="rId3"/>
+    <p:sldId id="299" r:id="rId4"/>
+    <p:sldId id="293" r:id="rId5"/>
+    <p:sldId id="294" r:id="rId6"/>
+    <p:sldId id="295" r:id="rId7"/>
+    <p:sldId id="287" r:id="rId8"/>
+    <p:sldId id="292" r:id="rId9"/>
+    <p:sldId id="257" r:id="rId10"/>
+    <p:sldId id="286" r:id="rId11"/>
+    <p:sldId id="288" r:id="rId12"/>
+    <p:sldId id="289" r:id="rId13"/>
+    <p:sldId id="285" r:id="rId14"/>
+    <p:sldId id="290" r:id="rId15"/>
+    <p:sldId id="291" r:id="rId16"/>
+    <p:sldId id="297" r:id="rId17"/>
+    <p:sldId id="298" r:id="rId18"/>
+    <p:sldId id="300" r:id="rId19"/>
+    <p:sldId id="302" r:id="rId20"/>
+    <p:sldId id="301" r:id="rId21"/>
+    <p:sldId id="304" r:id="rId22"/>
+    <p:sldId id="303" r:id="rId23"/>
+    <p:sldId id="284" r:id="rId24"/>
   </p:sldIdLst>
   <p:sldSz cx="9144000" cy="6858000" type="screen4x3"/>
   <p:notesSz cx="6858000" cy="9144000"/>
@@ -211,7 +230,7 @@
           <a:p>
             <a:fld id="{DAE68BF3-346E-4301-8228-6A96AF964783}" type="datetimeFigureOut">
               <a:rPr lang="ru-RU" smtClean="0"/>
-              <a:t>03.09.2019</a:t>
+              <a:t>04.09.2019</a:t>
             </a:fld>
             <a:endParaRPr lang="ru-RU"/>
           </a:p>
@@ -615,7 +634,7 @@
           <a:p>
             <a:fld id="{EB652E99-F15F-4B57-BACE-320746D3BB96}" type="datetime1">
               <a:rPr lang="ru-RU" smtClean="0"/>
-              <a:t>03.09.2019</a:t>
+              <a:t>04.09.2019</a:t>
             </a:fld>
             <a:endParaRPr lang="ru-RU"/>
           </a:p>
@@ -1484,7 +1503,7 @@
           <a:p>
             <a:fld id="{041D7488-1C00-4222-97B4-DC2ED27662A3}" type="datetime1">
               <a:rPr lang="ru-RU" smtClean="0"/>
-              <a:t>03.09.2019</a:t>
+              <a:t>04.09.2019</a:t>
             </a:fld>
             <a:endParaRPr lang="ru-RU"/>
           </a:p>
@@ -1659,7 +1678,7 @@
           <a:p>
             <a:fld id="{0B7E1295-694F-4A48-9DB9-C203097EFBF6}" type="datetime1">
               <a:rPr lang="ru-RU" smtClean="0"/>
-              <a:t>03.09.2019</a:t>
+              <a:t>04.09.2019</a:t>
             </a:fld>
             <a:endParaRPr lang="ru-RU"/>
           </a:p>
@@ -1829,7 +1848,7 @@
           <a:p>
             <a:fld id="{BBC2955C-EFD4-423A-AE9A-97A1CDFDC00C}" type="datetime1">
               <a:rPr lang="ru-RU" smtClean="0"/>
-              <a:t>03.09.2019</a:t>
+              <a:t>04.09.2019</a:t>
             </a:fld>
             <a:endParaRPr lang="ru-RU"/>
           </a:p>
@@ -2039,7 +2058,7 @@
           <a:p>
             <a:fld id="{1F1CA4B4-6615-4B11-9919-FCA7E5D9192C}" type="datetime1">
               <a:rPr lang="ru-RU" smtClean="0"/>
-              <a:t>03.09.2019</a:t>
+              <a:t>04.09.2019</a:t>
             </a:fld>
             <a:endParaRPr lang="ru-RU"/>
           </a:p>
@@ -2853,7 +2872,7 @@
           <a:p>
             <a:fld id="{59763A7A-E06A-4B63-882C-4C26476C1396}" type="datetime1">
               <a:rPr lang="ru-RU" smtClean="0"/>
-              <a:t>03.09.2019</a:t>
+              <a:t>04.09.2019</a:t>
             </a:fld>
             <a:endParaRPr lang="ru-RU"/>
           </a:p>
@@ -3089,7 +3108,7 @@
           <a:p>
             <a:fld id="{62A7119C-C153-4437-BBB6-B6F509EA12A7}" type="datetime1">
               <a:rPr lang="ru-RU" smtClean="0"/>
-              <a:t>03.09.2019</a:t>
+              <a:t>04.09.2019</a:t>
             </a:fld>
             <a:endParaRPr lang="ru-RU"/>
           </a:p>
@@ -3412,7 +3431,7 @@
           <a:p>
             <a:fld id="{990131DB-717F-460D-BA23-196361149032}" type="datetime1">
               <a:rPr lang="ru-RU" smtClean="0"/>
-              <a:t>03.09.2019</a:t>
+              <a:t>04.09.2019</a:t>
             </a:fld>
             <a:endParaRPr lang="ru-RU"/>
           </a:p>
@@ -3502,7 +3521,7 @@
           <a:p>
             <a:fld id="{ED730AF2-9734-4834-BEB0-64A2989F2232}" type="datetime1">
               <a:rPr lang="ru-RU" smtClean="0"/>
-              <a:t>03.09.2019</a:t>
+              <a:t>04.09.2019</a:t>
             </a:fld>
             <a:endParaRPr lang="ru-RU"/>
           </a:p>
@@ -4019,7 +4038,7 @@
           <a:p>
             <a:fld id="{010A1B2F-E155-450F-8153-61CE775CDAD1}" type="datetime1">
               <a:rPr lang="ru-RU" smtClean="0"/>
-              <a:t>03.09.2019</a:t>
+              <a:t>04.09.2019</a:t>
             </a:fld>
             <a:endParaRPr lang="ru-RU"/>
           </a:p>
@@ -4530,7 +4549,7 @@
           <a:p>
             <a:fld id="{B9E5E854-BC75-46C6-B30C-01D6AD4CF5C4}" type="datetime1">
               <a:rPr lang="ru-RU" smtClean="0"/>
-              <a:t>03.09.2019</a:t>
+              <a:t>04.09.2019</a:t>
             </a:fld>
             <a:endParaRPr lang="ru-RU"/>
           </a:p>
@@ -4775,7 +4794,7 @@
           <a:p>
             <a:fld id="{4F88B6AA-CD7A-42A1-A83F-194C276118C3}" type="datetime1">
               <a:rPr lang="ru-RU" smtClean="0"/>
-              <a:t>03.09.2019</a:t>
+              <a:t>04.09.2019</a:t>
             </a:fld>
             <a:endParaRPr lang="ru-RU"/>
           </a:p>
@@ -5393,13 +5412,16 @@
         </p:nvSpPr>
         <p:spPr/>
         <p:txBody>
-          <a:bodyPr/>
-          <a:lstStyle/>
-          <a:p>
-            <a:r>
-              <a:rPr lang="ru-RU" dirty="0"/>
-              <a:t>Обработка изображений</a:t>
-            </a:r>
+          <a:bodyPr>
+            <a:normAutofit/>
+          </a:bodyPr>
+          <a:lstStyle/>
+          <a:p>
+            <a:r>
+              <a:rPr lang="en-US" sz="4000" dirty="0"/>
+              <a:t>Image processing</a:t>
+            </a:r>
+            <a:endParaRPr lang="ru-RU" sz="4000" dirty="0"/>
           </a:p>
         </p:txBody>
       </p:sp>
@@ -5407,6 +5429,2573 @@
     <p:extLst>
       <p:ext uri="{BB962C8B-B14F-4D97-AF65-F5344CB8AC3E}">
         <p14:creationId xmlns:p14="http://schemas.microsoft.com/office/powerpoint/2010/main" val="1392517834"/>
+      </p:ext>
+    </p:extLst>
+  </p:cSld>
+  <p:clrMapOvr>
+    <a:masterClrMapping/>
+  </p:clrMapOvr>
+</p:sld>
+</file>
+
+<file path=ppt/slides/slide10.xml><?xml version="1.0" encoding="utf-8"?>
+<p:sld xmlns:a="http://schemas.openxmlformats.org/drawingml/2006/main" xmlns:r="http://schemas.openxmlformats.org/officeDocument/2006/relationships" xmlns:p="http://schemas.openxmlformats.org/presentationml/2006/main">
+  <p:cSld>
+    <p:spTree>
+      <p:nvGrpSpPr>
+        <p:cNvPr id="1" name=""/>
+        <p:cNvGrpSpPr/>
+        <p:nvPr/>
+      </p:nvGrpSpPr>
+      <p:grpSpPr>
+        <a:xfrm>
+          <a:off x="0" y="0"/>
+          <a:ext cx="0" cy="0"/>
+          <a:chOff x="0" y="0"/>
+          <a:chExt cx="0" cy="0"/>
+        </a:xfrm>
+      </p:grpSpPr>
+      <p:sp>
+        <p:nvSpPr>
+          <p:cNvPr id="2" name="Title 1">
+            <a:extLst>
+              <a:ext uri="{FF2B5EF4-FFF2-40B4-BE49-F238E27FC236}">
+                <a16:creationId xmlns:a16="http://schemas.microsoft.com/office/drawing/2014/main" id="{1DFF75F0-533B-4B71-8EF4-C711E86F3379}"/>
+              </a:ext>
+            </a:extLst>
+          </p:cNvPr>
+          <p:cNvSpPr>
+            <a:spLocks noGrp="1"/>
+          </p:cNvSpPr>
+          <p:nvPr>
+            <p:ph type="title"/>
+          </p:nvPr>
+        </p:nvSpPr>
+        <p:spPr/>
+        <p:txBody>
+          <a:bodyPr/>
+          <a:lstStyle/>
+          <a:p>
+            <a:r>
+              <a:rPr lang="ru-RU" dirty="0"/>
+              <a:t>Что такое изображение?</a:t>
+            </a:r>
+            <a:endParaRPr lang="en-US" dirty="0"/>
+          </a:p>
+        </p:txBody>
+      </p:sp>
+      <p:sp>
+        <p:nvSpPr>
+          <p:cNvPr id="3" name="Content Placeholder 2">
+            <a:extLst>
+              <a:ext uri="{FF2B5EF4-FFF2-40B4-BE49-F238E27FC236}">
+                <a16:creationId xmlns:a16="http://schemas.microsoft.com/office/drawing/2014/main" id="{CF6AA4D5-C1B0-4A00-90CB-5CCF1C440C96}"/>
+              </a:ext>
+            </a:extLst>
+          </p:cNvPr>
+          <p:cNvSpPr>
+            <a:spLocks noGrp="1"/>
+          </p:cNvSpPr>
+          <p:nvPr>
+            <p:ph sz="quarter" idx="1"/>
+          </p:nvPr>
+        </p:nvSpPr>
+        <p:spPr/>
+        <p:txBody>
+          <a:bodyPr/>
+          <a:lstStyle/>
+          <a:p>
+            <a:pPr marL="0" indent="0">
+              <a:buNone/>
+            </a:pPr>
+            <a:r>
+              <a:rPr lang="ru-RU" b="1" dirty="0"/>
+              <a:t>Цифровое изображение </a:t>
+            </a:r>
+            <a:r>
+              <a:rPr lang="ru-RU" dirty="0"/>
+              <a:t>— двумерное изображение, представленное в цифровом виде. В зависимости от способа описания, изображение может быть растровым или векторным.</a:t>
+            </a:r>
+            <a:endParaRPr lang="en-US" dirty="0"/>
+          </a:p>
+        </p:txBody>
+      </p:sp>
+      <p:sp>
+        <p:nvSpPr>
+          <p:cNvPr id="4" name="Slide Number Placeholder 3">
+            <a:extLst>
+              <a:ext uri="{FF2B5EF4-FFF2-40B4-BE49-F238E27FC236}">
+                <a16:creationId xmlns:a16="http://schemas.microsoft.com/office/drawing/2014/main" id="{6AFA91FB-85A9-4EB4-909A-FDB9A4DECABE}"/>
+              </a:ext>
+            </a:extLst>
+          </p:cNvPr>
+          <p:cNvSpPr>
+            <a:spLocks noGrp="1"/>
+          </p:cNvSpPr>
+          <p:nvPr>
+            <p:ph type="sldNum" sz="quarter" idx="15"/>
+          </p:nvPr>
+        </p:nvSpPr>
+        <p:spPr/>
+        <p:txBody>
+          <a:bodyPr/>
+          <a:lstStyle/>
+          <a:p>
+            <a:fld id="{64AFD7DF-275D-4362-92B1-655386778701}" type="slidenum">
+              <a:rPr lang="ru-RU" smtClean="0"/>
+              <a:t>10</a:t>
+            </a:fld>
+            <a:endParaRPr lang="ru-RU"/>
+          </a:p>
+        </p:txBody>
+      </p:sp>
+      <p:pic>
+        <p:nvPicPr>
+          <p:cNvPr id="1026" name="Picture 2" descr="Image result for ÐºÐ¾ÑÐ¸ÐºÐ¸">
+            <a:extLst>
+              <a:ext uri="{FF2B5EF4-FFF2-40B4-BE49-F238E27FC236}">
+                <a16:creationId xmlns:a16="http://schemas.microsoft.com/office/drawing/2014/main" id="{1A51FAD0-F543-4191-964A-278AB8F10C6F}"/>
+              </a:ext>
+            </a:extLst>
+          </p:cNvPr>
+          <p:cNvPicPr>
+            <a:picLocks noChangeAspect="1" noChangeArrowheads="1"/>
+          </p:cNvPicPr>
+          <p:nvPr/>
+        </p:nvPicPr>
+        <p:blipFill>
+          <a:blip r:embed="rId2">
+            <a:extLst>
+              <a:ext uri="{28A0092B-C50C-407E-A947-70E740481C1C}">
+                <a14:useLocalDpi xmlns:a14="http://schemas.microsoft.com/office/drawing/2010/main" val="0"/>
+              </a:ext>
+            </a:extLst>
+          </a:blip>
+          <a:srcRect/>
+          <a:stretch>
+            <a:fillRect/>
+          </a:stretch>
+        </p:blipFill>
+        <p:spPr bwMode="auto">
+          <a:xfrm>
+            <a:off x="457200" y="3227514"/>
+            <a:ext cx="3034680" cy="2276010"/>
+          </a:xfrm>
+          <a:prstGeom prst="rect">
+            <a:avLst/>
+          </a:prstGeom>
+          <a:noFill/>
+          <a:extLst>
+            <a:ext uri="{909E8E84-426E-40DD-AFC4-6F175D3DCCD1}">
+              <a14:hiddenFill xmlns:a14="http://schemas.microsoft.com/office/drawing/2010/main">
+                <a:solidFill>
+                  <a:srgbClr val="FFFFFF"/>
+                </a:solidFill>
+              </a14:hiddenFill>
+            </a:ext>
+          </a:extLst>
+        </p:spPr>
+      </p:pic>
+      <p:pic>
+        <p:nvPicPr>
+          <p:cNvPr id="1028" name="Picture 4" descr="Image result for meme cat">
+            <a:extLst>
+              <a:ext uri="{FF2B5EF4-FFF2-40B4-BE49-F238E27FC236}">
+                <a16:creationId xmlns:a16="http://schemas.microsoft.com/office/drawing/2014/main" id="{E82C1B4D-CC59-4AC6-875C-1FF87FD830E2}"/>
+              </a:ext>
+            </a:extLst>
+          </p:cNvPr>
+          <p:cNvPicPr>
+            <a:picLocks noChangeAspect="1" noChangeArrowheads="1"/>
+          </p:cNvPicPr>
+          <p:nvPr/>
+        </p:nvPicPr>
+        <p:blipFill>
+          <a:blip r:embed="rId3">
+            <a:extLst>
+              <a:ext uri="{28A0092B-C50C-407E-A947-70E740481C1C}">
+                <a14:useLocalDpi xmlns:a14="http://schemas.microsoft.com/office/drawing/2010/main" val="0"/>
+              </a:ext>
+            </a:extLst>
+          </a:blip>
+          <a:srcRect/>
+          <a:stretch>
+            <a:fillRect/>
+          </a:stretch>
+        </p:blipFill>
+        <p:spPr bwMode="auto">
+          <a:xfrm>
+            <a:off x="2771800" y="3801867"/>
+            <a:ext cx="2283717" cy="2854647"/>
+          </a:xfrm>
+          <a:prstGeom prst="rect">
+            <a:avLst/>
+          </a:prstGeom>
+          <a:noFill/>
+          <a:extLst>
+            <a:ext uri="{909E8E84-426E-40DD-AFC4-6F175D3DCCD1}">
+              <a14:hiddenFill xmlns:a14="http://schemas.microsoft.com/office/drawing/2010/main">
+                <a:solidFill>
+                  <a:srgbClr val="FFFFFF"/>
+                </a:solidFill>
+              </a14:hiddenFill>
+            </a:ext>
+          </a:extLst>
+        </p:spPr>
+      </p:pic>
+      <p:pic>
+        <p:nvPicPr>
+          <p:cNvPr id="5" name="Picture 4">
+            <a:extLst>
+              <a:ext uri="{FF2B5EF4-FFF2-40B4-BE49-F238E27FC236}">
+                <a16:creationId xmlns:a16="http://schemas.microsoft.com/office/drawing/2014/main" id="{67A2895D-8409-4F45-A776-054E591D4F05}"/>
+              </a:ext>
+            </a:extLst>
+          </p:cNvPr>
+          <p:cNvPicPr>
+            <a:picLocks noChangeAspect="1"/>
+          </p:cNvPicPr>
+          <p:nvPr/>
+        </p:nvPicPr>
+        <p:blipFill>
+          <a:blip r:embed="rId4"/>
+          <a:stretch>
+            <a:fillRect/>
+          </a:stretch>
+        </p:blipFill>
+        <p:spPr>
+          <a:xfrm>
+            <a:off x="4644008" y="3227514"/>
+            <a:ext cx="2852936" cy="2852936"/>
+          </a:xfrm>
+          <a:prstGeom prst="rect">
+            <a:avLst/>
+          </a:prstGeom>
+        </p:spPr>
+      </p:pic>
+    </p:spTree>
+    <p:extLst>
+      <p:ext uri="{BB962C8B-B14F-4D97-AF65-F5344CB8AC3E}">
+        <p14:creationId xmlns:p14="http://schemas.microsoft.com/office/powerpoint/2010/main" val="1029773466"/>
+      </p:ext>
+    </p:extLst>
+  </p:cSld>
+  <p:clrMapOvr>
+    <a:masterClrMapping/>
+  </p:clrMapOvr>
+</p:sld>
+</file>
+
+<file path=ppt/slides/slide11.xml><?xml version="1.0" encoding="utf-8"?>
+<p:sld xmlns:a="http://schemas.openxmlformats.org/drawingml/2006/main" xmlns:r="http://schemas.openxmlformats.org/officeDocument/2006/relationships" xmlns:p="http://schemas.openxmlformats.org/presentationml/2006/main">
+  <p:cSld>
+    <p:spTree>
+      <p:nvGrpSpPr>
+        <p:cNvPr id="1" name=""/>
+        <p:cNvGrpSpPr/>
+        <p:nvPr/>
+      </p:nvGrpSpPr>
+      <p:grpSpPr>
+        <a:xfrm>
+          <a:off x="0" y="0"/>
+          <a:ext cx="0" cy="0"/>
+          <a:chOff x="0" y="0"/>
+          <a:chExt cx="0" cy="0"/>
+        </a:xfrm>
+      </p:grpSpPr>
+      <p:sp>
+        <p:nvSpPr>
+          <p:cNvPr id="2" name="Title 1">
+            <a:extLst>
+              <a:ext uri="{FF2B5EF4-FFF2-40B4-BE49-F238E27FC236}">
+                <a16:creationId xmlns:a16="http://schemas.microsoft.com/office/drawing/2014/main" id="{2BCA1E25-DFC3-4A96-A6C6-4CF156515D29}"/>
+              </a:ext>
+            </a:extLst>
+          </p:cNvPr>
+          <p:cNvSpPr>
+            <a:spLocks noGrp="1"/>
+          </p:cNvSpPr>
+          <p:nvPr>
+            <p:ph type="title"/>
+          </p:nvPr>
+        </p:nvSpPr>
+        <p:spPr/>
+        <p:txBody>
+          <a:bodyPr/>
+          <a:lstStyle/>
+          <a:p>
+            <a:r>
+              <a:rPr lang="ru-RU" dirty="0"/>
+              <a:t>Типы изображений. Векторные изображения</a:t>
+            </a:r>
+            <a:endParaRPr lang="en-US" dirty="0"/>
+          </a:p>
+        </p:txBody>
+      </p:sp>
+      <p:sp>
+        <p:nvSpPr>
+          <p:cNvPr id="3" name="Content Placeholder 2">
+            <a:extLst>
+              <a:ext uri="{FF2B5EF4-FFF2-40B4-BE49-F238E27FC236}">
+                <a16:creationId xmlns:a16="http://schemas.microsoft.com/office/drawing/2014/main" id="{B2C80EEC-766C-44B9-919E-D20AF311A3F7}"/>
+              </a:ext>
+            </a:extLst>
+          </p:cNvPr>
+          <p:cNvSpPr>
+            <a:spLocks noGrp="1"/>
+          </p:cNvSpPr>
+          <p:nvPr>
+            <p:ph sz="quarter" idx="1"/>
+          </p:nvPr>
+        </p:nvSpPr>
+        <p:spPr/>
+        <p:txBody>
+          <a:bodyPr>
+            <a:normAutofit lnSpcReduction="10000"/>
+          </a:bodyPr>
+          <a:lstStyle/>
+          <a:p>
+            <a:pPr marL="0" indent="0">
+              <a:buNone/>
+            </a:pPr>
+            <a:r>
+              <a:rPr lang="ru-RU" b="1" dirty="0"/>
+              <a:t>Векторная графика </a:t>
+            </a:r>
+            <a:r>
+              <a:rPr lang="ru-RU" dirty="0"/>
+              <a:t>— способ представления объектов и изображений (формат описания) в компьютерной графике, основанный на математическом описании элементарных геометрических объектов, обычно называемых примитивами, таких как: точки, линии, сплайны, кривые Безье, круги и окружности, многоугольники.</a:t>
+            </a:r>
+          </a:p>
+          <a:p>
+            <a:pPr marL="0" indent="0">
+              <a:buNone/>
+            </a:pPr>
+            <a:r>
+              <a:rPr lang="ru-RU" b="1" dirty="0"/>
+              <a:t>Главный плюс</a:t>
+            </a:r>
+            <a:r>
+              <a:rPr lang="ru-RU" dirty="0"/>
+              <a:t>: можно </a:t>
+            </a:r>
+            <a:r>
+              <a:rPr lang="ru-RU" dirty="0" err="1"/>
+              <a:t>зумить</a:t>
+            </a:r>
+            <a:r>
+              <a:rPr lang="ru-RU" dirty="0"/>
+              <a:t> сколько угодно</a:t>
+            </a:r>
+          </a:p>
+          <a:p>
+            <a:pPr marL="0" indent="0">
+              <a:buNone/>
+            </a:pPr>
+            <a:r>
+              <a:rPr lang="ru-RU" b="1" dirty="0"/>
+              <a:t>Главный минус</a:t>
+            </a:r>
+            <a:r>
+              <a:rPr lang="ru-RU" dirty="0"/>
+              <a:t>: не могут в изображения, насыщенные цветами</a:t>
+            </a:r>
+            <a:endParaRPr lang="ru-RU" b="1" dirty="0"/>
+          </a:p>
+          <a:p>
+            <a:pPr marL="0" indent="0">
+              <a:buNone/>
+            </a:pPr>
+            <a:r>
+              <a:rPr lang="ru-RU" b="1" dirty="0"/>
+              <a:t>Векторные изображения в этом курсе нам не интересны</a:t>
+            </a:r>
+            <a:endParaRPr lang="en-US" b="1" dirty="0"/>
+          </a:p>
+        </p:txBody>
+      </p:sp>
+      <p:sp>
+        <p:nvSpPr>
+          <p:cNvPr id="4" name="Slide Number Placeholder 3">
+            <a:extLst>
+              <a:ext uri="{FF2B5EF4-FFF2-40B4-BE49-F238E27FC236}">
+                <a16:creationId xmlns:a16="http://schemas.microsoft.com/office/drawing/2014/main" id="{55402B6C-7BC3-4595-8FA9-FF44BBF6D891}"/>
+              </a:ext>
+            </a:extLst>
+          </p:cNvPr>
+          <p:cNvSpPr>
+            <a:spLocks noGrp="1"/>
+          </p:cNvSpPr>
+          <p:nvPr>
+            <p:ph type="sldNum" sz="quarter" idx="15"/>
+          </p:nvPr>
+        </p:nvSpPr>
+        <p:spPr/>
+        <p:txBody>
+          <a:bodyPr/>
+          <a:lstStyle/>
+          <a:p>
+            <a:fld id="{64AFD7DF-275D-4362-92B1-655386778701}" type="slidenum">
+              <a:rPr lang="ru-RU" smtClean="0"/>
+              <a:t>11</a:t>
+            </a:fld>
+            <a:endParaRPr lang="ru-RU"/>
+          </a:p>
+        </p:txBody>
+      </p:sp>
+    </p:spTree>
+    <p:extLst>
+      <p:ext uri="{BB962C8B-B14F-4D97-AF65-F5344CB8AC3E}">
+        <p14:creationId xmlns:p14="http://schemas.microsoft.com/office/powerpoint/2010/main" val="2361994630"/>
+      </p:ext>
+    </p:extLst>
+  </p:cSld>
+  <p:clrMapOvr>
+    <a:masterClrMapping/>
+  </p:clrMapOvr>
+</p:sld>
+</file>
+
+<file path=ppt/slides/slide12.xml><?xml version="1.0" encoding="utf-8"?>
+<p:sld xmlns:a="http://schemas.openxmlformats.org/drawingml/2006/main" xmlns:r="http://schemas.openxmlformats.org/officeDocument/2006/relationships" xmlns:p="http://schemas.openxmlformats.org/presentationml/2006/main">
+  <p:cSld>
+    <p:spTree>
+      <p:nvGrpSpPr>
+        <p:cNvPr id="1" name=""/>
+        <p:cNvGrpSpPr/>
+        <p:nvPr/>
+      </p:nvGrpSpPr>
+      <p:grpSpPr>
+        <a:xfrm>
+          <a:off x="0" y="0"/>
+          <a:ext cx="0" cy="0"/>
+          <a:chOff x="0" y="0"/>
+          <a:chExt cx="0" cy="0"/>
+        </a:xfrm>
+      </p:grpSpPr>
+      <p:sp>
+        <p:nvSpPr>
+          <p:cNvPr id="2" name="Title 1">
+            <a:extLst>
+              <a:ext uri="{FF2B5EF4-FFF2-40B4-BE49-F238E27FC236}">
+                <a16:creationId xmlns:a16="http://schemas.microsoft.com/office/drawing/2014/main" id="{9E2B67E4-F4A8-4722-8252-BF576195100A}"/>
+              </a:ext>
+            </a:extLst>
+          </p:cNvPr>
+          <p:cNvSpPr>
+            <a:spLocks noGrp="1"/>
+          </p:cNvSpPr>
+          <p:nvPr>
+            <p:ph type="title"/>
+          </p:nvPr>
+        </p:nvSpPr>
+        <p:spPr/>
+        <p:txBody>
+          <a:bodyPr/>
+          <a:lstStyle/>
+          <a:p>
+            <a:r>
+              <a:rPr lang="ru-RU" dirty="0"/>
+              <a:t>Типы изображений. Векторные изображения</a:t>
+            </a:r>
+            <a:endParaRPr lang="en-US" dirty="0"/>
+          </a:p>
+        </p:txBody>
+      </p:sp>
+      <p:sp>
+        <p:nvSpPr>
+          <p:cNvPr id="4" name="Slide Number Placeholder 3">
+            <a:extLst>
+              <a:ext uri="{FF2B5EF4-FFF2-40B4-BE49-F238E27FC236}">
+                <a16:creationId xmlns:a16="http://schemas.microsoft.com/office/drawing/2014/main" id="{299AAC8A-6A24-40A7-92B5-81DDB7FBEB29}"/>
+              </a:ext>
+            </a:extLst>
+          </p:cNvPr>
+          <p:cNvSpPr>
+            <a:spLocks noGrp="1"/>
+          </p:cNvSpPr>
+          <p:nvPr>
+            <p:ph type="sldNum" sz="quarter" idx="15"/>
+          </p:nvPr>
+        </p:nvSpPr>
+        <p:spPr/>
+        <p:txBody>
+          <a:bodyPr/>
+          <a:lstStyle/>
+          <a:p>
+            <a:fld id="{64AFD7DF-275D-4362-92B1-655386778701}" type="slidenum">
+              <a:rPr lang="ru-RU" smtClean="0"/>
+              <a:t>12</a:t>
+            </a:fld>
+            <a:endParaRPr lang="ru-RU"/>
+          </a:p>
+        </p:txBody>
+      </p:sp>
+      <p:pic>
+        <p:nvPicPr>
+          <p:cNvPr id="2050" name="Picture 2" descr="Image result for Ð²ÐµÐºÑÐ¾ÑÐ½ÑÐµ Ð¸Ð·Ð¾Ð±ÑÐ°Ð¶ÐµÐ½Ð¸Ñ">
+            <a:extLst>
+              <a:ext uri="{FF2B5EF4-FFF2-40B4-BE49-F238E27FC236}">
+                <a16:creationId xmlns:a16="http://schemas.microsoft.com/office/drawing/2014/main" id="{2F708A9F-7D24-483B-9DAE-57EB2DBA21D8}"/>
+              </a:ext>
+            </a:extLst>
+          </p:cNvPr>
+          <p:cNvPicPr>
+            <a:picLocks noChangeAspect="1" noChangeArrowheads="1"/>
+          </p:cNvPicPr>
+          <p:nvPr/>
+        </p:nvPicPr>
+        <p:blipFill>
+          <a:blip r:embed="rId2" cstate="print">
+            <a:extLst>
+              <a:ext uri="{28A0092B-C50C-407E-A947-70E740481C1C}">
+                <a14:useLocalDpi xmlns:a14="http://schemas.microsoft.com/office/drawing/2010/main" val="0"/>
+              </a:ext>
+            </a:extLst>
+          </a:blip>
+          <a:srcRect/>
+          <a:stretch>
+            <a:fillRect/>
+          </a:stretch>
+        </p:blipFill>
+        <p:spPr bwMode="auto">
+          <a:xfrm>
+            <a:off x="457200" y="1426468"/>
+            <a:ext cx="3306959" cy="4005064"/>
+          </a:xfrm>
+          <a:prstGeom prst="rect">
+            <a:avLst/>
+          </a:prstGeom>
+          <a:noFill/>
+          <a:extLst>
+            <a:ext uri="{909E8E84-426E-40DD-AFC4-6F175D3DCCD1}">
+              <a14:hiddenFill xmlns:a14="http://schemas.microsoft.com/office/drawing/2010/main">
+                <a:solidFill>
+                  <a:srgbClr val="FFFFFF"/>
+                </a:solidFill>
+              </a14:hiddenFill>
+            </a:ext>
+          </a:extLst>
+        </p:spPr>
+      </p:pic>
+      <p:pic>
+        <p:nvPicPr>
+          <p:cNvPr id="2054" name="Picture 6" descr="Image result for Ð²ÐµÐºÑÐ¾ÑÐ½ÑÐµ Ð¸Ð·Ð¾Ð±ÑÐ°Ð¶ÐµÐ½Ð¸Ñ">
+            <a:extLst>
+              <a:ext uri="{FF2B5EF4-FFF2-40B4-BE49-F238E27FC236}">
+                <a16:creationId xmlns:a16="http://schemas.microsoft.com/office/drawing/2014/main" id="{703C6887-BD48-4A2E-923B-30E6DC409A78}"/>
+              </a:ext>
+            </a:extLst>
+          </p:cNvPr>
+          <p:cNvPicPr>
+            <a:picLocks noGrp="1" noChangeAspect="1" noChangeArrowheads="1"/>
+          </p:cNvPicPr>
+          <p:nvPr>
+            <p:ph sz="quarter" idx="1"/>
+          </p:nvPr>
+        </p:nvPicPr>
+        <p:blipFill>
+          <a:blip r:embed="rId3">
+            <a:extLst>
+              <a:ext uri="{28A0092B-C50C-407E-A947-70E740481C1C}">
+                <a14:useLocalDpi xmlns:a14="http://schemas.microsoft.com/office/drawing/2010/main" val="0"/>
+              </a:ext>
+            </a:extLst>
+          </a:blip>
+          <a:srcRect/>
+          <a:stretch>
+            <a:fillRect/>
+          </a:stretch>
+        </p:blipFill>
+        <p:spPr bwMode="auto">
+          <a:xfrm>
+            <a:off x="3789109" y="2420888"/>
+            <a:ext cx="4762500" cy="2476500"/>
+          </a:xfrm>
+          <a:prstGeom prst="rect">
+            <a:avLst/>
+          </a:prstGeom>
+          <a:noFill/>
+          <a:extLst>
+            <a:ext uri="{909E8E84-426E-40DD-AFC4-6F175D3DCCD1}">
+              <a14:hiddenFill xmlns:a14="http://schemas.microsoft.com/office/drawing/2010/main">
+                <a:solidFill>
+                  <a:srgbClr val="FFFFFF"/>
+                </a:solidFill>
+              </a14:hiddenFill>
+            </a:ext>
+          </a:extLst>
+        </p:spPr>
+      </p:pic>
+    </p:spTree>
+    <p:extLst>
+      <p:ext uri="{BB962C8B-B14F-4D97-AF65-F5344CB8AC3E}">
+        <p14:creationId xmlns:p14="http://schemas.microsoft.com/office/powerpoint/2010/main" val="253719746"/>
+      </p:ext>
+    </p:extLst>
+  </p:cSld>
+  <p:clrMapOvr>
+    <a:masterClrMapping/>
+  </p:clrMapOvr>
+</p:sld>
+</file>
+
+<file path=ppt/slides/slide13.xml><?xml version="1.0" encoding="utf-8"?>
+<p:sld xmlns:a="http://schemas.openxmlformats.org/drawingml/2006/main" xmlns:r="http://schemas.openxmlformats.org/officeDocument/2006/relationships" xmlns:p="http://schemas.openxmlformats.org/presentationml/2006/main">
+  <p:cSld>
+    <p:spTree>
+      <p:nvGrpSpPr>
+        <p:cNvPr id="1" name=""/>
+        <p:cNvGrpSpPr/>
+        <p:nvPr/>
+      </p:nvGrpSpPr>
+      <p:grpSpPr>
+        <a:xfrm>
+          <a:off x="0" y="0"/>
+          <a:ext cx="0" cy="0"/>
+          <a:chOff x="0" y="0"/>
+          <a:chExt cx="0" cy="0"/>
+        </a:xfrm>
+      </p:grpSpPr>
+      <p:sp>
+        <p:nvSpPr>
+          <p:cNvPr id="2" name="Title 1">
+            <a:extLst>
+              <a:ext uri="{FF2B5EF4-FFF2-40B4-BE49-F238E27FC236}">
+                <a16:creationId xmlns:a16="http://schemas.microsoft.com/office/drawing/2014/main" id="{805BB1DF-862D-4941-9017-25ED2314B246}"/>
+              </a:ext>
+            </a:extLst>
+          </p:cNvPr>
+          <p:cNvSpPr>
+            <a:spLocks noGrp="1"/>
+          </p:cNvSpPr>
+          <p:nvPr>
+            <p:ph type="title"/>
+          </p:nvPr>
+        </p:nvSpPr>
+        <p:spPr/>
+        <p:txBody>
+          <a:bodyPr/>
+          <a:lstStyle/>
+          <a:p>
+            <a:r>
+              <a:rPr lang="ru-RU" dirty="0"/>
+              <a:t>Типы изображений. Растровые изображения</a:t>
+            </a:r>
+            <a:endParaRPr lang="en-US" dirty="0"/>
+          </a:p>
+        </p:txBody>
+      </p:sp>
+      <p:sp>
+        <p:nvSpPr>
+          <p:cNvPr id="3" name="Content Placeholder 2">
+            <a:extLst>
+              <a:ext uri="{FF2B5EF4-FFF2-40B4-BE49-F238E27FC236}">
+                <a16:creationId xmlns:a16="http://schemas.microsoft.com/office/drawing/2014/main" id="{A3B8FB71-27FE-4911-B1ED-9D90952A6A5B}"/>
+              </a:ext>
+            </a:extLst>
+          </p:cNvPr>
+          <p:cNvSpPr>
+            <a:spLocks noGrp="1"/>
+          </p:cNvSpPr>
+          <p:nvPr>
+            <p:ph sz="quarter" idx="1"/>
+          </p:nvPr>
+        </p:nvSpPr>
+        <p:spPr/>
+        <p:txBody>
+          <a:bodyPr/>
+          <a:lstStyle/>
+          <a:p>
+            <a:pPr marL="0" indent="0">
+              <a:buNone/>
+            </a:pPr>
+            <a:r>
+              <a:rPr lang="ru-RU" b="1" dirty="0"/>
+              <a:t>Растровое изображение </a:t>
+            </a:r>
+            <a:r>
+              <a:rPr lang="ru-RU" dirty="0"/>
+              <a:t>— изображение, представляющее собой сетку пикселей — цветных точек (обычно прямоугольных) на мониторе, бумаге и других отображающих устройствах.</a:t>
+            </a:r>
+            <a:endParaRPr lang="en-US" dirty="0"/>
+          </a:p>
+        </p:txBody>
+      </p:sp>
+      <p:sp>
+        <p:nvSpPr>
+          <p:cNvPr id="4" name="Slide Number Placeholder 3">
+            <a:extLst>
+              <a:ext uri="{FF2B5EF4-FFF2-40B4-BE49-F238E27FC236}">
+                <a16:creationId xmlns:a16="http://schemas.microsoft.com/office/drawing/2014/main" id="{0D7B2E5C-143D-4877-9785-373C1A6084FA}"/>
+              </a:ext>
+            </a:extLst>
+          </p:cNvPr>
+          <p:cNvSpPr>
+            <a:spLocks noGrp="1"/>
+          </p:cNvSpPr>
+          <p:nvPr>
+            <p:ph type="sldNum" sz="quarter" idx="15"/>
+          </p:nvPr>
+        </p:nvSpPr>
+        <p:spPr/>
+        <p:txBody>
+          <a:bodyPr/>
+          <a:lstStyle/>
+          <a:p>
+            <a:fld id="{64AFD7DF-275D-4362-92B1-655386778701}" type="slidenum">
+              <a:rPr lang="ru-RU" smtClean="0"/>
+              <a:t>13</a:t>
+            </a:fld>
+            <a:endParaRPr lang="ru-RU"/>
+          </a:p>
+        </p:txBody>
+      </p:sp>
+      <p:pic>
+        <p:nvPicPr>
+          <p:cNvPr id="3074" name="Picture 2" descr="Image result for Ð²ÐµÐºÑÐ¾ÑÐ½ÑÐµ Ð¸Ð·Ð¾Ð±ÑÐ°Ð¶ÐµÐ½Ð¸Ñ">
+            <a:extLst>
+              <a:ext uri="{FF2B5EF4-FFF2-40B4-BE49-F238E27FC236}">
+                <a16:creationId xmlns:a16="http://schemas.microsoft.com/office/drawing/2014/main" id="{5067BA0B-398A-411C-88B8-72783DF75897}"/>
+              </a:ext>
+            </a:extLst>
+          </p:cNvPr>
+          <p:cNvPicPr>
+            <a:picLocks noChangeAspect="1" noChangeArrowheads="1"/>
+          </p:cNvPicPr>
+          <p:nvPr/>
+        </p:nvPicPr>
+        <p:blipFill>
+          <a:blip r:embed="rId2">
+            <a:extLst>
+              <a:ext uri="{28A0092B-C50C-407E-A947-70E740481C1C}">
+                <a14:useLocalDpi xmlns:a14="http://schemas.microsoft.com/office/drawing/2010/main" val="0"/>
+              </a:ext>
+            </a:extLst>
+          </a:blip>
+          <a:srcRect/>
+          <a:stretch>
+            <a:fillRect/>
+          </a:stretch>
+        </p:blipFill>
+        <p:spPr bwMode="auto">
+          <a:xfrm>
+            <a:off x="971600" y="3573016"/>
+            <a:ext cx="6832480" cy="3202725"/>
+          </a:xfrm>
+          <a:prstGeom prst="rect">
+            <a:avLst/>
+          </a:prstGeom>
+          <a:noFill/>
+          <a:extLst>
+            <a:ext uri="{909E8E84-426E-40DD-AFC4-6F175D3DCCD1}">
+              <a14:hiddenFill xmlns:a14="http://schemas.microsoft.com/office/drawing/2010/main">
+                <a:solidFill>
+                  <a:srgbClr val="FFFFFF"/>
+                </a:solidFill>
+              </a14:hiddenFill>
+            </a:ext>
+          </a:extLst>
+        </p:spPr>
+      </p:pic>
+    </p:spTree>
+    <p:extLst>
+      <p:ext uri="{BB962C8B-B14F-4D97-AF65-F5344CB8AC3E}">
+        <p14:creationId xmlns:p14="http://schemas.microsoft.com/office/powerpoint/2010/main" val="3493122116"/>
+      </p:ext>
+    </p:extLst>
+  </p:cSld>
+  <p:clrMapOvr>
+    <a:masterClrMapping/>
+  </p:clrMapOvr>
+</p:sld>
+</file>
+
+<file path=ppt/slides/slide14.xml><?xml version="1.0" encoding="utf-8"?>
+<p:sld xmlns:a="http://schemas.openxmlformats.org/drawingml/2006/main" xmlns:r="http://schemas.openxmlformats.org/officeDocument/2006/relationships" xmlns:p="http://schemas.openxmlformats.org/presentationml/2006/main">
+  <p:cSld>
+    <p:spTree>
+      <p:nvGrpSpPr>
+        <p:cNvPr id="1" name=""/>
+        <p:cNvGrpSpPr/>
+        <p:nvPr/>
+      </p:nvGrpSpPr>
+      <p:grpSpPr>
+        <a:xfrm>
+          <a:off x="0" y="0"/>
+          <a:ext cx="0" cy="0"/>
+          <a:chOff x="0" y="0"/>
+          <a:chExt cx="0" cy="0"/>
+        </a:xfrm>
+      </p:grpSpPr>
+      <p:sp>
+        <p:nvSpPr>
+          <p:cNvPr id="2" name="Title 1">
+            <a:extLst>
+              <a:ext uri="{FF2B5EF4-FFF2-40B4-BE49-F238E27FC236}">
+                <a16:creationId xmlns:a16="http://schemas.microsoft.com/office/drawing/2014/main" id="{8449771A-F048-456C-B62F-95088D36067F}"/>
+              </a:ext>
+            </a:extLst>
+          </p:cNvPr>
+          <p:cNvSpPr>
+            <a:spLocks noGrp="1"/>
+          </p:cNvSpPr>
+          <p:nvPr>
+            <p:ph type="title"/>
+          </p:nvPr>
+        </p:nvSpPr>
+        <p:spPr/>
+        <p:txBody>
+          <a:bodyPr/>
+          <a:lstStyle/>
+          <a:p>
+            <a:r>
+              <a:rPr lang="ru-RU" dirty="0"/>
+              <a:t>Типы изображений. Растровые изображения</a:t>
+            </a:r>
+            <a:endParaRPr lang="en-US" dirty="0"/>
+          </a:p>
+        </p:txBody>
+      </p:sp>
+      <p:sp>
+        <p:nvSpPr>
+          <p:cNvPr id="4" name="Slide Number Placeholder 3">
+            <a:extLst>
+              <a:ext uri="{FF2B5EF4-FFF2-40B4-BE49-F238E27FC236}">
+                <a16:creationId xmlns:a16="http://schemas.microsoft.com/office/drawing/2014/main" id="{23B84593-E443-4E10-9C9C-6A952D1237D3}"/>
+              </a:ext>
+            </a:extLst>
+          </p:cNvPr>
+          <p:cNvSpPr>
+            <a:spLocks noGrp="1"/>
+          </p:cNvSpPr>
+          <p:nvPr>
+            <p:ph type="sldNum" sz="quarter" idx="15"/>
+          </p:nvPr>
+        </p:nvSpPr>
+        <p:spPr/>
+        <p:txBody>
+          <a:bodyPr/>
+          <a:lstStyle/>
+          <a:p>
+            <a:fld id="{64AFD7DF-275D-4362-92B1-655386778701}" type="slidenum">
+              <a:rPr lang="ru-RU" smtClean="0"/>
+              <a:t>14</a:t>
+            </a:fld>
+            <a:endParaRPr lang="ru-RU"/>
+          </a:p>
+        </p:txBody>
+      </p:sp>
+      <p:pic>
+        <p:nvPicPr>
+          <p:cNvPr id="4098" name="Picture 2" descr="Image result for ÑÐ²ÐµÑÐ½Ð¾Ðµ, Ð¿Ð¾Ð»ÑÑÐ¾Ð½Ð¾Ð²Ð¾Ðµ Ð¸ ÑÐµÑÐ½Ð¾-Ð±ÐµÐ»Ð¾Ðµ Ð¸Ð·Ð¾Ð±ÑÐ°Ð¶ÐµÐ½Ð¸Ðµ">
+            <a:extLst>
+              <a:ext uri="{FF2B5EF4-FFF2-40B4-BE49-F238E27FC236}">
+                <a16:creationId xmlns:a16="http://schemas.microsoft.com/office/drawing/2014/main" id="{D01F87C5-E859-4C5A-AF19-C319961CFD2E}"/>
+              </a:ext>
+            </a:extLst>
+          </p:cNvPr>
+          <p:cNvPicPr>
+            <a:picLocks noGrp="1" noChangeAspect="1" noChangeArrowheads="1"/>
+          </p:cNvPicPr>
+          <p:nvPr>
+            <p:ph sz="quarter" idx="1"/>
+          </p:nvPr>
+        </p:nvPicPr>
+        <p:blipFill>
+          <a:blip r:embed="rId2" cstate="print">
+            <a:extLst>
+              <a:ext uri="{28A0092B-C50C-407E-A947-70E740481C1C}">
+                <a14:useLocalDpi xmlns:a14="http://schemas.microsoft.com/office/drawing/2010/main" val="0"/>
+              </a:ext>
+            </a:extLst>
+          </a:blip>
+          <a:srcRect/>
+          <a:stretch>
+            <a:fillRect/>
+          </a:stretch>
+        </p:blipFill>
+        <p:spPr bwMode="auto">
+          <a:xfrm>
+            <a:off x="3203848" y="1700808"/>
+            <a:ext cx="2481216" cy="3196952"/>
+          </a:xfrm>
+          <a:prstGeom prst="rect">
+            <a:avLst/>
+          </a:prstGeom>
+          <a:noFill/>
+          <a:extLst>
+            <a:ext uri="{909E8E84-426E-40DD-AFC4-6F175D3DCCD1}">
+              <a14:hiddenFill xmlns:a14="http://schemas.microsoft.com/office/drawing/2010/main">
+                <a:solidFill>
+                  <a:srgbClr val="FFFFFF"/>
+                </a:solidFill>
+              </a14:hiddenFill>
+            </a:ext>
+          </a:extLst>
+        </p:spPr>
+      </p:pic>
+      <p:pic>
+        <p:nvPicPr>
+          <p:cNvPr id="4100" name="Picture 4" descr="Image result for ÑÐ±Ð»Ð¾ÐºÐ¾">
+            <a:extLst>
+              <a:ext uri="{FF2B5EF4-FFF2-40B4-BE49-F238E27FC236}">
+                <a16:creationId xmlns:a16="http://schemas.microsoft.com/office/drawing/2014/main" id="{D208F4BE-0A8E-45D2-953A-9DDD6CB9070C}"/>
+              </a:ext>
+            </a:extLst>
+          </p:cNvPr>
+          <p:cNvPicPr>
+            <a:picLocks noChangeAspect="1" noChangeArrowheads="1"/>
+          </p:cNvPicPr>
+          <p:nvPr/>
+        </p:nvPicPr>
+        <p:blipFill>
+          <a:blip r:embed="rId3">
+            <a:extLst>
+              <a:ext uri="{28A0092B-C50C-407E-A947-70E740481C1C}">
+                <a14:useLocalDpi xmlns:a14="http://schemas.microsoft.com/office/drawing/2010/main" val="0"/>
+              </a:ext>
+            </a:extLst>
+          </a:blip>
+          <a:srcRect/>
+          <a:stretch>
+            <a:fillRect/>
+          </a:stretch>
+        </p:blipFill>
+        <p:spPr bwMode="auto">
+          <a:xfrm>
+            <a:off x="457200" y="2348880"/>
+            <a:ext cx="2352675" cy="2428875"/>
+          </a:xfrm>
+          <a:prstGeom prst="rect">
+            <a:avLst/>
+          </a:prstGeom>
+          <a:noFill/>
+          <a:extLst>
+            <a:ext uri="{909E8E84-426E-40DD-AFC4-6F175D3DCCD1}">
+              <a14:hiddenFill xmlns:a14="http://schemas.microsoft.com/office/drawing/2010/main">
+                <a:solidFill>
+                  <a:srgbClr val="FFFFFF"/>
+                </a:solidFill>
+              </a14:hiddenFill>
+            </a:ext>
+          </a:extLst>
+        </p:spPr>
+      </p:pic>
+      <p:pic>
+        <p:nvPicPr>
+          <p:cNvPr id="4102" name="Picture 6" descr="Image result for apple black and white logo">
+            <a:extLst>
+              <a:ext uri="{FF2B5EF4-FFF2-40B4-BE49-F238E27FC236}">
+                <a16:creationId xmlns:a16="http://schemas.microsoft.com/office/drawing/2014/main" id="{D5E4FA9B-9AEE-4E44-B006-F29C0A303B70}"/>
+              </a:ext>
+            </a:extLst>
+          </p:cNvPr>
+          <p:cNvPicPr>
+            <a:picLocks noChangeAspect="1" noChangeArrowheads="1"/>
+          </p:cNvPicPr>
+          <p:nvPr/>
+        </p:nvPicPr>
+        <p:blipFill rotWithShape="1">
+          <a:blip r:embed="rId4">
+            <a:extLst>
+              <a:ext uri="{28A0092B-C50C-407E-A947-70E740481C1C}">
+                <a14:useLocalDpi xmlns:a14="http://schemas.microsoft.com/office/drawing/2010/main" val="0"/>
+              </a:ext>
+            </a:extLst>
+          </a:blip>
+          <a:srcRect l="23584" t="28198" r="24856" b="36033"/>
+          <a:stretch/>
+        </p:blipFill>
+        <p:spPr bwMode="auto">
+          <a:xfrm>
+            <a:off x="6045772" y="1700808"/>
+            <a:ext cx="2592288" cy="3196952"/>
+          </a:xfrm>
+          <a:prstGeom prst="rect">
+            <a:avLst/>
+          </a:prstGeom>
+          <a:noFill/>
+          <a:extLst>
+            <a:ext uri="{909E8E84-426E-40DD-AFC4-6F175D3DCCD1}">
+              <a14:hiddenFill xmlns:a14="http://schemas.microsoft.com/office/drawing/2010/main">
+                <a:solidFill>
+                  <a:srgbClr val="FFFFFF"/>
+                </a:solidFill>
+              </a14:hiddenFill>
+            </a:ext>
+          </a:extLst>
+        </p:spPr>
+      </p:pic>
+      <p:sp>
+        <p:nvSpPr>
+          <p:cNvPr id="5" name="TextBox 4">
+            <a:extLst>
+              <a:ext uri="{FF2B5EF4-FFF2-40B4-BE49-F238E27FC236}">
+                <a16:creationId xmlns:a16="http://schemas.microsoft.com/office/drawing/2014/main" id="{A853808A-5A3D-46D4-9289-55DE759B3F0C}"/>
+              </a:ext>
+            </a:extLst>
+          </p:cNvPr>
+          <p:cNvSpPr txBox="1"/>
+          <p:nvPr/>
+        </p:nvSpPr>
+        <p:spPr>
+          <a:xfrm>
+            <a:off x="446353" y="5385831"/>
+            <a:ext cx="2374369" cy="830997"/>
+          </a:xfrm>
+          <a:prstGeom prst="rect">
+            <a:avLst/>
+          </a:prstGeom>
+          <a:noFill/>
+        </p:spPr>
+        <p:txBody>
+          <a:bodyPr wrap="none" rtlCol="0">
+            <a:spAutoFit/>
+          </a:bodyPr>
+          <a:lstStyle/>
+          <a:p>
+            <a:pPr algn="ctr"/>
+            <a:r>
+              <a:rPr lang="ru-RU" sz="2400" dirty="0"/>
+              <a:t>Полноцветное </a:t>
+            </a:r>
+          </a:p>
+          <a:p>
+            <a:pPr algn="ctr"/>
+            <a:r>
+              <a:rPr lang="ru-RU" sz="2400" dirty="0"/>
+              <a:t>(цветное)</a:t>
+            </a:r>
+            <a:endParaRPr lang="en-US" sz="2400" dirty="0"/>
+          </a:p>
+        </p:txBody>
+      </p:sp>
+      <p:sp>
+        <p:nvSpPr>
+          <p:cNvPr id="9" name="TextBox 8">
+            <a:extLst>
+              <a:ext uri="{FF2B5EF4-FFF2-40B4-BE49-F238E27FC236}">
+                <a16:creationId xmlns:a16="http://schemas.microsoft.com/office/drawing/2014/main" id="{5D222F28-7AA9-468F-ABFD-BFEE8461AFF5}"/>
+              </a:ext>
+            </a:extLst>
+          </p:cNvPr>
+          <p:cNvSpPr txBox="1"/>
+          <p:nvPr/>
+        </p:nvSpPr>
+        <p:spPr>
+          <a:xfrm>
+            <a:off x="3419703" y="5385830"/>
+            <a:ext cx="2156360" cy="830997"/>
+          </a:xfrm>
+          <a:prstGeom prst="rect">
+            <a:avLst/>
+          </a:prstGeom>
+          <a:noFill/>
+        </p:spPr>
+        <p:txBody>
+          <a:bodyPr wrap="none" rtlCol="0">
+            <a:spAutoFit/>
+          </a:bodyPr>
+          <a:lstStyle/>
+          <a:p>
+            <a:pPr algn="ctr"/>
+            <a:r>
+              <a:rPr lang="ru-RU" sz="2400" dirty="0"/>
+              <a:t>Полутоновое </a:t>
+            </a:r>
+          </a:p>
+          <a:p>
+            <a:pPr algn="ctr"/>
+            <a:r>
+              <a:rPr lang="ru-RU" sz="2400" dirty="0"/>
+              <a:t>(</a:t>
+            </a:r>
+            <a:r>
+              <a:rPr lang="en-US" sz="2400" dirty="0"/>
+              <a:t>grayscale)</a:t>
+            </a:r>
+          </a:p>
+        </p:txBody>
+      </p:sp>
+      <p:sp>
+        <p:nvSpPr>
+          <p:cNvPr id="10" name="TextBox 9">
+            <a:extLst>
+              <a:ext uri="{FF2B5EF4-FFF2-40B4-BE49-F238E27FC236}">
+                <a16:creationId xmlns:a16="http://schemas.microsoft.com/office/drawing/2014/main" id="{3DFE547F-B609-4814-BCB7-093F52D211A5}"/>
+              </a:ext>
+            </a:extLst>
+          </p:cNvPr>
+          <p:cNvSpPr txBox="1"/>
+          <p:nvPr/>
+        </p:nvSpPr>
+        <p:spPr>
+          <a:xfrm>
+            <a:off x="6389046" y="5385829"/>
+            <a:ext cx="1728357" cy="830997"/>
+          </a:xfrm>
+          <a:prstGeom prst="rect">
+            <a:avLst/>
+          </a:prstGeom>
+          <a:noFill/>
+        </p:spPr>
+        <p:txBody>
+          <a:bodyPr wrap="none" rtlCol="0">
+            <a:spAutoFit/>
+          </a:bodyPr>
+          <a:lstStyle/>
+          <a:p>
+            <a:pPr algn="ctr"/>
+            <a:r>
+              <a:rPr lang="ru-RU" sz="2400" dirty="0"/>
+              <a:t>Бинарное </a:t>
+            </a:r>
+          </a:p>
+          <a:p>
+            <a:pPr algn="ctr"/>
+            <a:r>
+              <a:rPr lang="ru-RU" sz="2400" dirty="0"/>
+              <a:t>(</a:t>
+            </a:r>
+            <a:r>
+              <a:rPr lang="en-US" sz="2400" dirty="0"/>
+              <a:t>binary)</a:t>
+            </a:r>
+          </a:p>
+        </p:txBody>
+      </p:sp>
+    </p:spTree>
+    <p:extLst>
+      <p:ext uri="{BB962C8B-B14F-4D97-AF65-F5344CB8AC3E}">
+        <p14:creationId xmlns:p14="http://schemas.microsoft.com/office/powerpoint/2010/main" val="2405204573"/>
+      </p:ext>
+    </p:extLst>
+  </p:cSld>
+  <p:clrMapOvr>
+    <a:masterClrMapping/>
+  </p:clrMapOvr>
+</p:sld>
+</file>
+
+<file path=ppt/slides/slide15.xml><?xml version="1.0" encoding="utf-8"?>
+<p:sld xmlns:a="http://schemas.openxmlformats.org/drawingml/2006/main" xmlns:r="http://schemas.openxmlformats.org/officeDocument/2006/relationships" xmlns:p="http://schemas.openxmlformats.org/presentationml/2006/main">
+  <p:cSld>
+    <p:spTree>
+      <p:nvGrpSpPr>
+        <p:cNvPr id="1" name=""/>
+        <p:cNvGrpSpPr/>
+        <p:nvPr/>
+      </p:nvGrpSpPr>
+      <p:grpSpPr>
+        <a:xfrm>
+          <a:off x="0" y="0"/>
+          <a:ext cx="0" cy="0"/>
+          <a:chOff x="0" y="0"/>
+          <a:chExt cx="0" cy="0"/>
+        </a:xfrm>
+      </p:grpSpPr>
+      <p:sp>
+        <p:nvSpPr>
+          <p:cNvPr id="2" name="Title 1">
+            <a:extLst>
+              <a:ext uri="{FF2B5EF4-FFF2-40B4-BE49-F238E27FC236}">
+                <a16:creationId xmlns:a16="http://schemas.microsoft.com/office/drawing/2014/main" id="{9E46FC5D-1F38-406F-A940-555086D1EE5F}"/>
+              </a:ext>
+            </a:extLst>
+          </p:cNvPr>
+          <p:cNvSpPr>
+            <a:spLocks noGrp="1"/>
+          </p:cNvSpPr>
+          <p:nvPr>
+            <p:ph type="title"/>
+          </p:nvPr>
+        </p:nvSpPr>
+        <p:spPr/>
+        <p:txBody>
+          <a:bodyPr/>
+          <a:lstStyle/>
+          <a:p>
+            <a:r>
+              <a:rPr lang="ru-RU" dirty="0"/>
+              <a:t>Источники изображений</a:t>
+            </a:r>
+            <a:endParaRPr lang="en-US" dirty="0"/>
+          </a:p>
+        </p:txBody>
+      </p:sp>
+      <p:sp>
+        <p:nvSpPr>
+          <p:cNvPr id="4" name="Slide Number Placeholder 3">
+            <a:extLst>
+              <a:ext uri="{FF2B5EF4-FFF2-40B4-BE49-F238E27FC236}">
+                <a16:creationId xmlns:a16="http://schemas.microsoft.com/office/drawing/2014/main" id="{6F9A8A97-6DB3-41C3-B99C-CFC7E5D975A9}"/>
+              </a:ext>
+            </a:extLst>
+          </p:cNvPr>
+          <p:cNvSpPr>
+            <a:spLocks noGrp="1"/>
+          </p:cNvSpPr>
+          <p:nvPr>
+            <p:ph type="sldNum" sz="quarter" idx="15"/>
+          </p:nvPr>
+        </p:nvSpPr>
+        <p:spPr>
+          <a:xfrm>
+            <a:off x="8110354" y="5734050"/>
+            <a:ext cx="609600" cy="521208"/>
+          </a:xfrm>
+        </p:spPr>
+        <p:txBody>
+          <a:bodyPr/>
+          <a:lstStyle/>
+          <a:p>
+            <a:fld id="{64AFD7DF-275D-4362-92B1-655386778701}" type="slidenum">
+              <a:rPr lang="ru-RU" smtClean="0"/>
+              <a:t>15</a:t>
+            </a:fld>
+            <a:endParaRPr lang="ru-RU"/>
+          </a:p>
+        </p:txBody>
+      </p:sp>
+      <p:pic>
+        <p:nvPicPr>
+          <p:cNvPr id="5" name="Picture 2" descr="http://article.tech-labs.ru/img/article/30230/gembird_cam68uc_general_view_1.jpg">
+            <a:extLst>
+              <a:ext uri="{FF2B5EF4-FFF2-40B4-BE49-F238E27FC236}">
+                <a16:creationId xmlns:a16="http://schemas.microsoft.com/office/drawing/2014/main" id="{B89EEA12-A104-4D0F-9E61-A0C708D0908A}"/>
+              </a:ext>
+            </a:extLst>
+          </p:cNvPr>
+          <p:cNvPicPr>
+            <a:picLocks noChangeAspect="1" noChangeArrowheads="1"/>
+          </p:cNvPicPr>
+          <p:nvPr/>
+        </p:nvPicPr>
+        <p:blipFill>
+          <a:blip r:embed="rId2" cstate="print">
+            <a:extLst>
+              <a:ext uri="{28A0092B-C50C-407E-A947-70E740481C1C}">
+                <a14:useLocalDpi xmlns:a14="http://schemas.microsoft.com/office/drawing/2010/main" val="0"/>
+              </a:ext>
+            </a:extLst>
+          </a:blip>
+          <a:srcRect/>
+          <a:stretch>
+            <a:fillRect/>
+          </a:stretch>
+        </p:blipFill>
+        <p:spPr bwMode="auto">
+          <a:xfrm flipH="1">
+            <a:off x="5895885" y="4081987"/>
+            <a:ext cx="2243232" cy="2205845"/>
+          </a:xfrm>
+          <a:prstGeom prst="rect">
+            <a:avLst/>
+          </a:prstGeom>
+          <a:noFill/>
+          <a:extLst>
+            <a:ext uri="{909E8E84-426E-40DD-AFC4-6F175D3DCCD1}">
+              <a14:hiddenFill xmlns:a14="http://schemas.microsoft.com/office/drawing/2010/main">
+                <a:solidFill>
+                  <a:srgbClr val="FFFFFF"/>
+                </a:solidFill>
+              </a14:hiddenFill>
+            </a:ext>
+          </a:extLst>
+        </p:spPr>
+      </p:pic>
+      <p:pic>
+        <p:nvPicPr>
+          <p:cNvPr id="6" name="Picture 4" descr="http://www.leutron.com/uploads/pics/checkSight_front_blue_web_04.jpg">
+            <a:extLst>
+              <a:ext uri="{FF2B5EF4-FFF2-40B4-BE49-F238E27FC236}">
+                <a16:creationId xmlns:a16="http://schemas.microsoft.com/office/drawing/2014/main" id="{AE30ADF8-0144-4393-ABD3-1FE159F41466}"/>
+              </a:ext>
+            </a:extLst>
+          </p:cNvPr>
+          <p:cNvPicPr>
+            <a:picLocks noChangeAspect="1" noChangeArrowheads="1"/>
+          </p:cNvPicPr>
+          <p:nvPr/>
+        </p:nvPicPr>
+        <p:blipFill>
+          <a:blip r:embed="rId3">
+            <a:extLst>
+              <a:ext uri="{28A0092B-C50C-407E-A947-70E740481C1C}">
+                <a14:useLocalDpi xmlns:a14="http://schemas.microsoft.com/office/drawing/2010/main" val="0"/>
+              </a:ext>
+            </a:extLst>
+          </a:blip>
+          <a:srcRect/>
+          <a:stretch>
+            <a:fillRect/>
+          </a:stretch>
+        </p:blipFill>
+        <p:spPr bwMode="auto">
+          <a:xfrm>
+            <a:off x="742700" y="1854818"/>
+            <a:ext cx="2286000" cy="1914525"/>
+          </a:xfrm>
+          <a:prstGeom prst="rect">
+            <a:avLst/>
+          </a:prstGeom>
+          <a:noFill/>
+          <a:extLst>
+            <a:ext uri="{909E8E84-426E-40DD-AFC4-6F175D3DCCD1}">
+              <a14:hiddenFill xmlns:a14="http://schemas.microsoft.com/office/drawing/2010/main">
+                <a:solidFill>
+                  <a:srgbClr val="FFFFFF"/>
+                </a:solidFill>
+              </a14:hiddenFill>
+            </a:ext>
+          </a:extLst>
+        </p:spPr>
+      </p:pic>
+      <p:pic>
+        <p:nvPicPr>
+          <p:cNvPr id="7" name="Picture 6" descr="http://www.ferra.ru/images/335/335609.jpg">
+            <a:extLst>
+              <a:ext uri="{FF2B5EF4-FFF2-40B4-BE49-F238E27FC236}">
+                <a16:creationId xmlns:a16="http://schemas.microsoft.com/office/drawing/2014/main" id="{7ECA5CCE-18F7-45F0-B5B9-82093C74F819}"/>
+              </a:ext>
+            </a:extLst>
+          </p:cNvPr>
+          <p:cNvPicPr>
+            <a:picLocks noChangeAspect="1" noChangeArrowheads="1"/>
+          </p:cNvPicPr>
+          <p:nvPr/>
+        </p:nvPicPr>
+        <p:blipFill>
+          <a:blip r:embed="rId4">
+            <a:extLst>
+              <a:ext uri="{28A0092B-C50C-407E-A947-70E740481C1C}">
+                <a14:useLocalDpi xmlns:a14="http://schemas.microsoft.com/office/drawing/2010/main" val="0"/>
+              </a:ext>
+            </a:extLst>
+          </a:blip>
+          <a:srcRect/>
+          <a:stretch>
+            <a:fillRect/>
+          </a:stretch>
+        </p:blipFill>
+        <p:spPr bwMode="auto">
+          <a:xfrm>
+            <a:off x="3775679" y="1471752"/>
+            <a:ext cx="1601691" cy="2680655"/>
+          </a:xfrm>
+          <a:prstGeom prst="rect">
+            <a:avLst/>
+          </a:prstGeom>
+          <a:noFill/>
+          <a:extLst>
+            <a:ext uri="{909E8E84-426E-40DD-AFC4-6F175D3DCCD1}">
+              <a14:hiddenFill xmlns:a14="http://schemas.microsoft.com/office/drawing/2010/main">
+                <a:solidFill>
+                  <a:srgbClr val="FFFFFF"/>
+                </a:solidFill>
+              </a14:hiddenFill>
+            </a:ext>
+          </a:extLst>
+        </p:spPr>
+      </p:pic>
+      <p:pic>
+        <p:nvPicPr>
+          <p:cNvPr id="8" name="Picture 8" descr="http://stellatech.com/pubs/uploads/gh59-10986a-samsung-gt-i9100-galaxy-s-ii-camera-module-2mp,50efc757bd6b0.jpg">
+            <a:extLst>
+              <a:ext uri="{FF2B5EF4-FFF2-40B4-BE49-F238E27FC236}">
+                <a16:creationId xmlns:a16="http://schemas.microsoft.com/office/drawing/2014/main" id="{6FD1DB3F-2304-4D8D-9B35-06A7BCB1C843}"/>
+              </a:ext>
+            </a:extLst>
+          </p:cNvPr>
+          <p:cNvPicPr>
+            <a:picLocks noChangeAspect="1" noChangeArrowheads="1"/>
+          </p:cNvPicPr>
+          <p:nvPr/>
+        </p:nvPicPr>
+        <p:blipFill>
+          <a:blip r:embed="rId5">
+            <a:extLst>
+              <a:ext uri="{28A0092B-C50C-407E-A947-70E740481C1C}">
+                <a14:useLocalDpi xmlns:a14="http://schemas.microsoft.com/office/drawing/2010/main" val="0"/>
+              </a:ext>
+            </a:extLst>
+          </a:blip>
+          <a:srcRect/>
+          <a:stretch>
+            <a:fillRect/>
+          </a:stretch>
+        </p:blipFill>
+        <p:spPr bwMode="auto">
+          <a:xfrm>
+            <a:off x="3523711" y="4100152"/>
+            <a:ext cx="2160240" cy="2160240"/>
+          </a:xfrm>
+          <a:prstGeom prst="rect">
+            <a:avLst/>
+          </a:prstGeom>
+          <a:noFill/>
+          <a:extLst>
+            <a:ext uri="{909E8E84-426E-40DD-AFC4-6F175D3DCCD1}">
+              <a14:hiddenFill xmlns:a14="http://schemas.microsoft.com/office/drawing/2010/main">
+                <a:solidFill>
+                  <a:srgbClr val="FFFFFF"/>
+                </a:solidFill>
+              </a14:hiddenFill>
+            </a:ext>
+          </a:extLst>
+        </p:spPr>
+      </p:pic>
+      <p:pic>
+        <p:nvPicPr>
+          <p:cNvPr id="9" name="Picture 2" descr="http://fotoapparat-expert.ru/wp-content/uploads/2013/04/plenochnyj-fotoapparat-leica-mp.gif">
+            <a:extLst>
+              <a:ext uri="{FF2B5EF4-FFF2-40B4-BE49-F238E27FC236}">
+                <a16:creationId xmlns:a16="http://schemas.microsoft.com/office/drawing/2014/main" id="{567B953E-996C-433D-81A7-7A382BD525B9}"/>
+              </a:ext>
+            </a:extLst>
+          </p:cNvPr>
+          <p:cNvPicPr>
+            <a:picLocks noChangeAspect="1" noChangeArrowheads="1"/>
+          </p:cNvPicPr>
+          <p:nvPr/>
+        </p:nvPicPr>
+        <p:blipFill>
+          <a:blip r:embed="rId6">
+            <a:extLst>
+              <a:ext uri="{28A0092B-C50C-407E-A947-70E740481C1C}">
+                <a14:useLocalDpi xmlns:a14="http://schemas.microsoft.com/office/drawing/2010/main" val="0"/>
+              </a:ext>
+            </a:extLst>
+          </a:blip>
+          <a:srcRect/>
+          <a:stretch>
+            <a:fillRect/>
+          </a:stretch>
+        </p:blipFill>
+        <p:spPr bwMode="auto">
+          <a:xfrm>
+            <a:off x="459625" y="4075630"/>
+            <a:ext cx="2852153" cy="2231018"/>
+          </a:xfrm>
+          <a:prstGeom prst="rect">
+            <a:avLst/>
+          </a:prstGeom>
+          <a:noFill/>
+          <a:extLst>
+            <a:ext uri="{909E8E84-426E-40DD-AFC4-6F175D3DCCD1}">
+              <a14:hiddenFill xmlns:a14="http://schemas.microsoft.com/office/drawing/2010/main">
+                <a:solidFill>
+                  <a:srgbClr val="FFFFFF"/>
+                </a:solidFill>
+              </a14:hiddenFill>
+            </a:ext>
+          </a:extLst>
+        </p:spPr>
+      </p:pic>
+      <p:pic>
+        <p:nvPicPr>
+          <p:cNvPr id="10" name="Picture 4" descr="http://www.teryra.com/articl_comp/skaner/planshetnyi-skaner.jpg">
+            <a:extLst>
+              <a:ext uri="{FF2B5EF4-FFF2-40B4-BE49-F238E27FC236}">
+                <a16:creationId xmlns:a16="http://schemas.microsoft.com/office/drawing/2014/main" id="{57227F22-A523-4A32-AB73-649DBCF503B5}"/>
+              </a:ext>
+            </a:extLst>
+          </p:cNvPr>
+          <p:cNvPicPr>
+            <a:picLocks noChangeAspect="1" noChangeArrowheads="1"/>
+          </p:cNvPicPr>
+          <p:nvPr/>
+        </p:nvPicPr>
+        <p:blipFill>
+          <a:blip r:embed="rId7">
+            <a:extLst>
+              <a:ext uri="{28A0092B-C50C-407E-A947-70E740481C1C}">
+                <a14:useLocalDpi xmlns:a14="http://schemas.microsoft.com/office/drawing/2010/main" val="0"/>
+              </a:ext>
+            </a:extLst>
+          </a:blip>
+          <a:srcRect/>
+          <a:stretch>
+            <a:fillRect/>
+          </a:stretch>
+        </p:blipFill>
+        <p:spPr bwMode="auto">
+          <a:xfrm>
+            <a:off x="6124349" y="1840861"/>
+            <a:ext cx="1786305" cy="1942441"/>
+          </a:xfrm>
+          <a:prstGeom prst="rect">
+            <a:avLst/>
+          </a:prstGeom>
+          <a:noFill/>
+          <a:extLst>
+            <a:ext uri="{909E8E84-426E-40DD-AFC4-6F175D3DCCD1}">
+              <a14:hiddenFill xmlns:a14="http://schemas.microsoft.com/office/drawing/2010/main">
+                <a:solidFill>
+                  <a:srgbClr val="FFFFFF"/>
+                </a:solidFill>
+              </a14:hiddenFill>
+            </a:ext>
+          </a:extLst>
+        </p:spPr>
+      </p:pic>
+    </p:spTree>
+    <p:extLst>
+      <p:ext uri="{BB962C8B-B14F-4D97-AF65-F5344CB8AC3E}">
+        <p14:creationId xmlns:p14="http://schemas.microsoft.com/office/powerpoint/2010/main" val="2522933120"/>
+      </p:ext>
+    </p:extLst>
+  </p:cSld>
+  <p:clrMapOvr>
+    <a:masterClrMapping/>
+  </p:clrMapOvr>
+</p:sld>
+</file>
+
+<file path=ppt/slides/slide16.xml><?xml version="1.0" encoding="utf-8"?>
+<p:sld xmlns:a="http://schemas.openxmlformats.org/drawingml/2006/main" xmlns:r="http://schemas.openxmlformats.org/officeDocument/2006/relationships" xmlns:p="http://schemas.openxmlformats.org/presentationml/2006/main">
+  <p:cSld>
+    <p:spTree>
+      <p:nvGrpSpPr>
+        <p:cNvPr id="1" name=""/>
+        <p:cNvGrpSpPr/>
+        <p:nvPr/>
+      </p:nvGrpSpPr>
+      <p:grpSpPr>
+        <a:xfrm>
+          <a:off x="0" y="0"/>
+          <a:ext cx="0" cy="0"/>
+          <a:chOff x="0" y="0"/>
+          <a:chExt cx="0" cy="0"/>
+        </a:xfrm>
+      </p:grpSpPr>
+      <p:sp>
+        <p:nvSpPr>
+          <p:cNvPr id="2" name="Title 1">
+            <a:extLst>
+              <a:ext uri="{FF2B5EF4-FFF2-40B4-BE49-F238E27FC236}">
+                <a16:creationId xmlns:a16="http://schemas.microsoft.com/office/drawing/2014/main" id="{2344C7CA-8E34-4FE8-A377-8FA22830AE4A}"/>
+              </a:ext>
+            </a:extLst>
+          </p:cNvPr>
+          <p:cNvSpPr>
+            <a:spLocks noGrp="1"/>
+          </p:cNvSpPr>
+          <p:nvPr>
+            <p:ph type="title"/>
+          </p:nvPr>
+        </p:nvSpPr>
+        <p:spPr/>
+        <p:txBody>
+          <a:bodyPr/>
+          <a:lstStyle/>
+          <a:p>
+            <a:r>
+              <a:rPr lang="ru-RU" dirty="0"/>
+              <a:t>Зачем анализировать изображения?</a:t>
+            </a:r>
+            <a:endParaRPr lang="en-US" dirty="0"/>
+          </a:p>
+        </p:txBody>
+      </p:sp>
+      <p:sp>
+        <p:nvSpPr>
+          <p:cNvPr id="4" name="Slide Number Placeholder 3">
+            <a:extLst>
+              <a:ext uri="{FF2B5EF4-FFF2-40B4-BE49-F238E27FC236}">
+                <a16:creationId xmlns:a16="http://schemas.microsoft.com/office/drawing/2014/main" id="{C8AAFAED-E78C-460E-91EC-43CBDCDD3572}"/>
+              </a:ext>
+            </a:extLst>
+          </p:cNvPr>
+          <p:cNvSpPr>
+            <a:spLocks noGrp="1"/>
+          </p:cNvSpPr>
+          <p:nvPr>
+            <p:ph type="sldNum" sz="quarter" idx="15"/>
+          </p:nvPr>
+        </p:nvSpPr>
+        <p:spPr/>
+        <p:txBody>
+          <a:bodyPr/>
+          <a:lstStyle/>
+          <a:p>
+            <a:fld id="{64AFD7DF-275D-4362-92B1-655386778701}" type="slidenum">
+              <a:rPr lang="ru-RU" smtClean="0"/>
+              <a:t>16</a:t>
+            </a:fld>
+            <a:endParaRPr lang="ru-RU"/>
+          </a:p>
+        </p:txBody>
+      </p:sp>
+      <p:pic>
+        <p:nvPicPr>
+          <p:cNvPr id="5" name="Picture 2">
+            <a:extLst>
+              <a:ext uri="{FF2B5EF4-FFF2-40B4-BE49-F238E27FC236}">
+                <a16:creationId xmlns:a16="http://schemas.microsoft.com/office/drawing/2014/main" id="{45DD2132-32C1-42DA-986C-1839F577529D}"/>
+              </a:ext>
+            </a:extLst>
+          </p:cNvPr>
+          <p:cNvPicPr>
+            <a:picLocks noChangeAspect="1" noChangeArrowheads="1"/>
+          </p:cNvPicPr>
+          <p:nvPr/>
+        </p:nvPicPr>
+        <p:blipFill>
+          <a:blip r:embed="rId2">
+            <a:extLst>
+              <a:ext uri="{28A0092B-C50C-407E-A947-70E740481C1C}">
+                <a14:useLocalDpi xmlns:a14="http://schemas.microsoft.com/office/drawing/2010/main" val="0"/>
+              </a:ext>
+            </a:extLst>
+          </a:blip>
+          <a:srcRect/>
+          <a:stretch>
+            <a:fillRect/>
+          </a:stretch>
+        </p:blipFill>
+        <p:spPr bwMode="auto">
+          <a:xfrm>
+            <a:off x="563490" y="3447503"/>
+            <a:ext cx="2772614" cy="3124950"/>
+          </a:xfrm>
+          <a:prstGeom prst="rect">
+            <a:avLst/>
+          </a:prstGeom>
+          <a:noFill/>
+          <a:ln>
+            <a:noFill/>
+          </a:ln>
+          <a:extLst>
+            <a:ext uri="{909E8E84-426E-40DD-AFC4-6F175D3DCCD1}">
+              <a14:hiddenFill xmlns:a14="http://schemas.microsoft.com/office/drawing/2010/main">
+                <a:solidFill>
+                  <a:schemeClr val="accent1"/>
+                </a:solidFill>
+              </a14:hiddenFill>
+            </a:ext>
+            <a:ext uri="{91240B29-F687-4F45-9708-019B960494DF}">
+              <a14:hiddenLine xmlns:a14="http://schemas.microsoft.com/office/drawing/2010/main" w="9525">
+                <a:solidFill>
+                  <a:schemeClr val="tx1"/>
+                </a:solidFill>
+                <a:miter lim="800000"/>
+                <a:headEnd/>
+                <a:tailEnd/>
+              </a14:hiddenLine>
+            </a:ext>
+          </a:extLst>
+        </p:spPr>
+      </p:pic>
+      <p:sp>
+        <p:nvSpPr>
+          <p:cNvPr id="6" name="TextBox 5">
+            <a:extLst>
+              <a:ext uri="{FF2B5EF4-FFF2-40B4-BE49-F238E27FC236}">
+                <a16:creationId xmlns:a16="http://schemas.microsoft.com/office/drawing/2014/main" id="{9456EBBE-834A-4606-95F3-D1B299615C7E}"/>
+              </a:ext>
+            </a:extLst>
+          </p:cNvPr>
+          <p:cNvSpPr txBox="1"/>
+          <p:nvPr/>
+        </p:nvSpPr>
+        <p:spPr>
+          <a:xfrm>
+            <a:off x="4523929" y="1678805"/>
+            <a:ext cx="4128393" cy="3785652"/>
+          </a:xfrm>
+          <a:prstGeom prst="rect">
+            <a:avLst/>
+          </a:prstGeom>
+          <a:noFill/>
+        </p:spPr>
+        <p:txBody>
+          <a:bodyPr wrap="square" rtlCol="0">
+            <a:spAutoFit/>
+          </a:bodyPr>
+          <a:lstStyle/>
+          <a:p>
+            <a:r>
+              <a:rPr lang="ru-RU" sz="2000" dirty="0">
+                <a:solidFill>
+                  <a:prstClr val="black"/>
+                </a:solidFill>
+              </a:rPr>
+              <a:t>110-125 млн палочек (яркость)</a:t>
+            </a:r>
+          </a:p>
+          <a:p>
+            <a:r>
+              <a:rPr lang="ru-RU" sz="2000" dirty="0">
+                <a:solidFill>
+                  <a:prstClr val="black"/>
+                </a:solidFill>
+              </a:rPr>
+              <a:t> - пик чувствительности 498нм</a:t>
+            </a:r>
+          </a:p>
+          <a:p>
+            <a:r>
+              <a:rPr lang="ru-RU" sz="2000" dirty="0">
+                <a:solidFill>
+                  <a:prstClr val="black"/>
+                </a:solidFill>
+              </a:rPr>
+              <a:t> - 2-3 фотонов достаточно</a:t>
+            </a:r>
+          </a:p>
+          <a:p>
+            <a:r>
+              <a:rPr lang="ru-RU" sz="2000" dirty="0">
+                <a:solidFill>
+                  <a:prstClr val="black"/>
+                </a:solidFill>
+              </a:rPr>
+              <a:t> - инерционны</a:t>
+            </a:r>
+          </a:p>
+          <a:p>
+            <a:r>
+              <a:rPr lang="ru-RU" sz="2000" dirty="0">
+                <a:solidFill>
+                  <a:prstClr val="black"/>
+                </a:solidFill>
+              </a:rPr>
+              <a:t> - периферическое зрение</a:t>
+            </a:r>
+          </a:p>
+          <a:p>
+            <a:endParaRPr lang="ru-RU" sz="2000" dirty="0">
+              <a:solidFill>
+                <a:prstClr val="black"/>
+              </a:solidFill>
+            </a:endParaRPr>
+          </a:p>
+          <a:p>
+            <a:r>
+              <a:rPr lang="en-US" sz="2000" dirty="0">
+                <a:solidFill>
+                  <a:prstClr val="black"/>
+                </a:solidFill>
+              </a:rPr>
+              <a:t>6-7 </a:t>
+            </a:r>
+            <a:r>
+              <a:rPr lang="ru-RU" sz="2000" dirty="0">
+                <a:solidFill>
+                  <a:prstClr val="black"/>
+                </a:solidFill>
+              </a:rPr>
+              <a:t>млн колбочек (цвет)</a:t>
+            </a:r>
+          </a:p>
+          <a:p>
+            <a:r>
+              <a:rPr lang="ru-RU" sz="2000" dirty="0">
+                <a:solidFill>
+                  <a:prstClr val="black"/>
+                </a:solidFill>
+              </a:rPr>
+              <a:t> - в 100 раз менее чувствительны</a:t>
+            </a:r>
+          </a:p>
+          <a:p>
+            <a:r>
+              <a:rPr lang="ru-RU" sz="2000" dirty="0">
+                <a:solidFill>
+                  <a:prstClr val="black"/>
+                </a:solidFill>
+              </a:rPr>
+              <a:t> - менее инерционны</a:t>
+            </a:r>
+          </a:p>
+          <a:p>
+            <a:r>
+              <a:rPr lang="ru-RU" sz="2000" dirty="0">
+                <a:solidFill>
+                  <a:prstClr val="black"/>
+                </a:solidFill>
+              </a:rPr>
+              <a:t> - 3 вида:</a:t>
+            </a:r>
+          </a:p>
+          <a:p>
+            <a:endParaRPr lang="ru-RU" sz="2000" dirty="0">
+              <a:solidFill>
+                <a:prstClr val="black"/>
+              </a:solidFill>
+            </a:endParaRPr>
+          </a:p>
+        </p:txBody>
+      </p:sp>
+      <p:pic>
+        <p:nvPicPr>
+          <p:cNvPr id="7" name="Picture 2" descr="Картинки по запросу глаз человека анатомия">
+            <a:extLst>
+              <a:ext uri="{FF2B5EF4-FFF2-40B4-BE49-F238E27FC236}">
+                <a16:creationId xmlns:a16="http://schemas.microsoft.com/office/drawing/2014/main" id="{4CF0DC23-9CD5-4AB4-914A-F40A663CF141}"/>
+              </a:ext>
+            </a:extLst>
+          </p:cNvPr>
+          <p:cNvPicPr>
+            <a:picLocks noChangeAspect="1" noChangeArrowheads="1"/>
+          </p:cNvPicPr>
+          <p:nvPr/>
+        </p:nvPicPr>
+        <p:blipFill>
+          <a:blip r:embed="rId3">
+            <a:extLst>
+              <a:ext uri="{28A0092B-C50C-407E-A947-70E740481C1C}">
+                <a14:useLocalDpi xmlns:a14="http://schemas.microsoft.com/office/drawing/2010/main" val="0"/>
+              </a:ext>
+            </a:extLst>
+          </a:blip>
+          <a:srcRect/>
+          <a:stretch>
+            <a:fillRect/>
+          </a:stretch>
+        </p:blipFill>
+        <p:spPr bwMode="auto">
+          <a:xfrm>
+            <a:off x="251520" y="1600200"/>
+            <a:ext cx="4128393" cy="1847302"/>
+          </a:xfrm>
+          <a:prstGeom prst="rect">
+            <a:avLst/>
+          </a:prstGeom>
+          <a:noFill/>
+          <a:extLst>
+            <a:ext uri="{909E8E84-426E-40DD-AFC4-6F175D3DCCD1}">
+              <a14:hiddenFill xmlns:a14="http://schemas.microsoft.com/office/drawing/2010/main">
+                <a:solidFill>
+                  <a:srgbClr val="FFFFFF"/>
+                </a:solidFill>
+              </a14:hiddenFill>
+            </a:ext>
+          </a:extLst>
+        </p:spPr>
+      </p:pic>
+      <p:graphicFrame>
+        <p:nvGraphicFramePr>
+          <p:cNvPr id="8" name="Таблица 5">
+            <a:extLst>
+              <a:ext uri="{FF2B5EF4-FFF2-40B4-BE49-F238E27FC236}">
+                <a16:creationId xmlns:a16="http://schemas.microsoft.com/office/drawing/2014/main" id="{DBF677E1-5218-4B3E-88C5-41035A8DEB11}"/>
+              </a:ext>
+            </a:extLst>
+          </p:cNvPr>
+          <p:cNvGraphicFramePr>
+            <a:graphicFrameLocks noGrp="1"/>
+          </p:cNvGraphicFramePr>
+          <p:nvPr>
+            <p:extLst>
+              <p:ext uri="{D42A27DB-BD31-4B8C-83A1-F6EECF244321}">
+                <p14:modId xmlns:p14="http://schemas.microsoft.com/office/powerpoint/2010/main" val="2646618671"/>
+              </p:ext>
+            </p:extLst>
+          </p:nvPr>
+        </p:nvGraphicFramePr>
+        <p:xfrm>
+          <a:off x="4492489" y="5099685"/>
+          <a:ext cx="4680519" cy="1268730"/>
+        </p:xfrm>
+        <a:graphic>
+          <a:graphicData uri="http://schemas.openxmlformats.org/drawingml/2006/table">
+            <a:tbl>
+              <a:tblPr firstRow="1" bandRow="1">
+                <a:tableStyleId>{2D5ABB26-0587-4C30-8999-92F81FD0307C}</a:tableStyleId>
+              </a:tblPr>
+              <a:tblGrid>
+                <a:gridCol w="792088">
+                  <a:extLst>
+                    <a:ext uri="{9D8B030D-6E8A-4147-A177-3AD203B41FA5}">
+                      <a16:colId xmlns:a16="http://schemas.microsoft.com/office/drawing/2014/main" val="20000"/>
+                    </a:ext>
+                  </a:extLst>
+                </a:gridCol>
+                <a:gridCol w="1440160">
+                  <a:extLst>
+                    <a:ext uri="{9D8B030D-6E8A-4147-A177-3AD203B41FA5}">
+                      <a16:colId xmlns:a16="http://schemas.microsoft.com/office/drawing/2014/main" val="20001"/>
+                    </a:ext>
+                  </a:extLst>
+                </a:gridCol>
+                <a:gridCol w="2448271">
+                  <a:extLst>
+                    <a:ext uri="{9D8B030D-6E8A-4147-A177-3AD203B41FA5}">
+                      <a16:colId xmlns:a16="http://schemas.microsoft.com/office/drawing/2014/main" val="20002"/>
+                    </a:ext>
+                  </a:extLst>
+                </a:gridCol>
+              </a:tblGrid>
+              <a:tr h="370840">
+                <a:tc>
+                  <a:txBody>
+                    <a:bodyPr/>
+                    <a:lstStyle/>
+                    <a:p>
+                      <a:r>
+                        <a:rPr lang="en-US" sz="2400" dirty="0"/>
+                        <a:t>S</a:t>
+                      </a:r>
+                    </a:p>
+                  </a:txBody>
+                  <a:tcPr marL="28575" marR="28575" marT="28575" marB="28575" anchor="ctr"/>
+                </a:tc>
+                <a:tc>
+                  <a:txBody>
+                    <a:bodyPr/>
+                    <a:lstStyle/>
+                    <a:p>
+                      <a:r>
+                        <a:rPr lang="ru-RU" sz="2400" dirty="0"/>
+                        <a:t>443 </a:t>
+                      </a:r>
+                      <a:r>
+                        <a:rPr lang="ru-RU" sz="2400" dirty="0" err="1"/>
+                        <a:t>нм</a:t>
+                      </a:r>
+                      <a:endParaRPr lang="ru-RU" sz="2400" dirty="0"/>
+                    </a:p>
+                  </a:txBody>
+                  <a:tcPr marL="28575" marR="28575" marT="28575" marB="28575" anchor="ctr"/>
+                </a:tc>
+                <a:tc>
+                  <a:txBody>
+                    <a:bodyPr/>
+                    <a:lstStyle/>
+                    <a:p>
+                      <a:r>
+                        <a:rPr lang="ru-RU" sz="2400" dirty="0"/>
+                        <a:t>синий</a:t>
+                      </a:r>
+                    </a:p>
+                  </a:txBody>
+                  <a:tcPr marL="28575" marR="28575" marT="28575" marB="28575" anchor="ctr"/>
+                </a:tc>
+                <a:extLst>
+                  <a:ext uri="{0D108BD9-81ED-4DB2-BD59-A6C34878D82A}">
+                    <a16:rowId xmlns:a16="http://schemas.microsoft.com/office/drawing/2014/main" val="10000"/>
+                  </a:ext>
+                </a:extLst>
+              </a:tr>
+              <a:tr h="370840">
+                <a:tc>
+                  <a:txBody>
+                    <a:bodyPr/>
+                    <a:lstStyle/>
+                    <a:p>
+                      <a:r>
+                        <a:rPr lang="en-US" sz="2400"/>
+                        <a:t>M</a:t>
+                      </a:r>
+                    </a:p>
+                  </a:txBody>
+                  <a:tcPr marL="28575" marR="28575" marT="28575" marB="28575" anchor="ctr"/>
+                </a:tc>
+                <a:tc>
+                  <a:txBody>
+                    <a:bodyPr/>
+                    <a:lstStyle/>
+                    <a:p>
+                      <a:r>
+                        <a:rPr lang="ru-RU" sz="2400"/>
+                        <a:t>544 нм</a:t>
+                      </a:r>
+                    </a:p>
+                  </a:txBody>
+                  <a:tcPr marL="28575" marR="28575" marT="28575" marB="28575" anchor="ctr"/>
+                </a:tc>
+                <a:tc>
+                  <a:txBody>
+                    <a:bodyPr/>
+                    <a:lstStyle/>
+                    <a:p>
+                      <a:r>
+                        <a:rPr lang="ru-RU" sz="2400"/>
+                        <a:t>зелёный</a:t>
+                      </a:r>
+                    </a:p>
+                  </a:txBody>
+                  <a:tcPr marL="28575" marR="28575" marT="28575" marB="28575" anchor="ctr"/>
+                </a:tc>
+                <a:extLst>
+                  <a:ext uri="{0D108BD9-81ED-4DB2-BD59-A6C34878D82A}">
+                    <a16:rowId xmlns:a16="http://schemas.microsoft.com/office/drawing/2014/main" val="10001"/>
+                  </a:ext>
+                </a:extLst>
+              </a:tr>
+              <a:tr h="370840">
+                <a:tc>
+                  <a:txBody>
+                    <a:bodyPr/>
+                    <a:lstStyle/>
+                    <a:p>
+                      <a:r>
+                        <a:rPr lang="en-US" sz="2400"/>
+                        <a:t>L</a:t>
+                      </a:r>
+                    </a:p>
+                  </a:txBody>
+                  <a:tcPr marL="28575" marR="28575" marT="28575" marB="28575" anchor="ctr"/>
+                </a:tc>
+                <a:tc>
+                  <a:txBody>
+                    <a:bodyPr/>
+                    <a:lstStyle/>
+                    <a:p>
+                      <a:r>
+                        <a:rPr lang="ru-RU" sz="2400"/>
+                        <a:t>570 нм</a:t>
+                      </a:r>
+                    </a:p>
+                  </a:txBody>
+                  <a:tcPr marL="28575" marR="28575" marT="28575" marB="28575" anchor="ctr"/>
+                </a:tc>
+                <a:tc>
+                  <a:txBody>
+                    <a:bodyPr/>
+                    <a:lstStyle/>
+                    <a:p>
+                      <a:r>
+                        <a:rPr lang="ru-RU" sz="2400" dirty="0"/>
+                        <a:t>красный</a:t>
+                      </a:r>
+                    </a:p>
+                  </a:txBody>
+                  <a:tcPr marL="28575" marR="28575" marT="28575" marB="28575" anchor="ctr"/>
+                </a:tc>
+                <a:extLst>
+                  <a:ext uri="{0D108BD9-81ED-4DB2-BD59-A6C34878D82A}">
+                    <a16:rowId xmlns:a16="http://schemas.microsoft.com/office/drawing/2014/main" val="10002"/>
+                  </a:ext>
+                </a:extLst>
+              </a:tr>
+            </a:tbl>
+          </a:graphicData>
+        </a:graphic>
+      </p:graphicFrame>
+    </p:spTree>
+    <p:extLst>
+      <p:ext uri="{BB962C8B-B14F-4D97-AF65-F5344CB8AC3E}">
+        <p14:creationId xmlns:p14="http://schemas.microsoft.com/office/powerpoint/2010/main" val="3287745915"/>
+      </p:ext>
+    </p:extLst>
+  </p:cSld>
+  <p:clrMapOvr>
+    <a:masterClrMapping/>
+  </p:clrMapOvr>
+</p:sld>
+</file>
+
+<file path=ppt/slides/slide17.xml><?xml version="1.0" encoding="utf-8"?>
+<p:sld xmlns:a="http://schemas.openxmlformats.org/drawingml/2006/main" xmlns:r="http://schemas.openxmlformats.org/officeDocument/2006/relationships" xmlns:p="http://schemas.openxmlformats.org/presentationml/2006/main">
+  <p:cSld>
+    <p:spTree>
+      <p:nvGrpSpPr>
+        <p:cNvPr id="1" name=""/>
+        <p:cNvGrpSpPr/>
+        <p:nvPr/>
+      </p:nvGrpSpPr>
+      <p:grpSpPr>
+        <a:xfrm>
+          <a:off x="0" y="0"/>
+          <a:ext cx="0" cy="0"/>
+          <a:chOff x="0" y="0"/>
+          <a:chExt cx="0" cy="0"/>
+        </a:xfrm>
+      </p:grpSpPr>
+      <p:sp>
+        <p:nvSpPr>
+          <p:cNvPr id="2" name="Title 1">
+            <a:extLst>
+              <a:ext uri="{FF2B5EF4-FFF2-40B4-BE49-F238E27FC236}">
+                <a16:creationId xmlns:a16="http://schemas.microsoft.com/office/drawing/2014/main" id="{20306D85-7E5F-422D-93A4-7A0F86F5CB9F}"/>
+              </a:ext>
+            </a:extLst>
+          </p:cNvPr>
+          <p:cNvSpPr>
+            <a:spLocks noGrp="1"/>
+          </p:cNvSpPr>
+          <p:nvPr>
+            <p:ph type="title"/>
+          </p:nvPr>
+        </p:nvSpPr>
+        <p:spPr/>
+        <p:txBody>
+          <a:bodyPr/>
+          <a:lstStyle/>
+          <a:p>
+            <a:r>
+              <a:rPr lang="ru-RU" dirty="0"/>
+              <a:t>Зачем анализировать изображения?</a:t>
+            </a:r>
+            <a:endParaRPr lang="en-US" dirty="0"/>
+          </a:p>
+        </p:txBody>
+      </p:sp>
+      <p:sp>
+        <p:nvSpPr>
+          <p:cNvPr id="3" name="Content Placeholder 2">
+            <a:extLst>
+              <a:ext uri="{FF2B5EF4-FFF2-40B4-BE49-F238E27FC236}">
+                <a16:creationId xmlns:a16="http://schemas.microsoft.com/office/drawing/2014/main" id="{AFC85FF1-C41B-4C6C-95D7-093E98CCF39C}"/>
+              </a:ext>
+            </a:extLst>
+          </p:cNvPr>
+          <p:cNvSpPr>
+            <a:spLocks noGrp="1"/>
+          </p:cNvSpPr>
+          <p:nvPr>
+            <p:ph sz="quarter" idx="1"/>
+          </p:nvPr>
+        </p:nvSpPr>
+        <p:spPr/>
+        <p:txBody>
+          <a:bodyPr/>
+          <a:lstStyle/>
+          <a:p>
+            <a:r>
+              <a:rPr lang="ru-RU" dirty="0"/>
+              <a:t>Системы безопасности</a:t>
+            </a:r>
+          </a:p>
+          <a:p>
+            <a:r>
+              <a:rPr lang="ru-RU" dirty="0"/>
+              <a:t>Биометрия и аутентификация</a:t>
+            </a:r>
+          </a:p>
+          <a:p>
+            <a:r>
+              <a:rPr lang="ru-RU" dirty="0"/>
+              <a:t>Управление производством и контроль качества</a:t>
+            </a:r>
+          </a:p>
+          <a:p>
+            <a:r>
+              <a:rPr lang="ru-RU" dirty="0"/>
+              <a:t>Обработка медицинских данных</a:t>
+            </a:r>
+            <a:endParaRPr lang="en-US" dirty="0"/>
+          </a:p>
+          <a:p>
+            <a:r>
+              <a:rPr lang="ru-RU" dirty="0"/>
+              <a:t>3</a:t>
+            </a:r>
+            <a:r>
+              <a:rPr lang="en-US" dirty="0"/>
+              <a:t>D</a:t>
+            </a:r>
+            <a:r>
+              <a:rPr lang="ru-RU" dirty="0"/>
+              <a:t> моделирование</a:t>
+            </a:r>
+            <a:r>
+              <a:rPr lang="en-US" dirty="0"/>
+              <a:t> </a:t>
+            </a:r>
+            <a:endParaRPr lang="ru-RU" dirty="0"/>
+          </a:p>
+          <a:p>
+            <a:r>
+              <a:rPr lang="ru-RU" dirty="0"/>
+              <a:t>Захват движения (</a:t>
+            </a:r>
+            <a:r>
+              <a:rPr lang="en-US" dirty="0"/>
+              <a:t>mocap)</a:t>
+            </a:r>
+            <a:endParaRPr lang="ru-RU" dirty="0"/>
+          </a:p>
+          <a:p>
+            <a:r>
+              <a:rPr lang="ru-RU" dirty="0"/>
+              <a:t>Цифровое фото: </a:t>
+            </a:r>
+            <a:r>
+              <a:rPr lang="en-US" dirty="0"/>
+              <a:t>HDR, </a:t>
+            </a:r>
+            <a:r>
+              <a:rPr lang="ru-RU" dirty="0"/>
+              <a:t>Создание панорамных фотографий</a:t>
+            </a:r>
+          </a:p>
+          <a:p>
+            <a:r>
+              <a:rPr lang="ru-RU" dirty="0"/>
+              <a:t>…</a:t>
+            </a:r>
+            <a:endParaRPr lang="en-US" dirty="0"/>
+          </a:p>
+          <a:p>
+            <a:pPr marL="0" indent="0">
+              <a:buNone/>
+            </a:pPr>
+            <a:endParaRPr lang="en-US" dirty="0"/>
+          </a:p>
+        </p:txBody>
+      </p:sp>
+      <p:sp>
+        <p:nvSpPr>
+          <p:cNvPr id="4" name="Slide Number Placeholder 3">
+            <a:extLst>
+              <a:ext uri="{FF2B5EF4-FFF2-40B4-BE49-F238E27FC236}">
+                <a16:creationId xmlns:a16="http://schemas.microsoft.com/office/drawing/2014/main" id="{78B51BAF-8F06-48F4-AE3B-7A1D28039861}"/>
+              </a:ext>
+            </a:extLst>
+          </p:cNvPr>
+          <p:cNvSpPr>
+            <a:spLocks noGrp="1"/>
+          </p:cNvSpPr>
+          <p:nvPr>
+            <p:ph type="sldNum" sz="quarter" idx="15"/>
+          </p:nvPr>
+        </p:nvSpPr>
+        <p:spPr/>
+        <p:txBody>
+          <a:bodyPr/>
+          <a:lstStyle/>
+          <a:p>
+            <a:fld id="{64AFD7DF-275D-4362-92B1-655386778701}" type="slidenum">
+              <a:rPr lang="ru-RU" smtClean="0"/>
+              <a:t>17</a:t>
+            </a:fld>
+            <a:endParaRPr lang="ru-RU"/>
+          </a:p>
+        </p:txBody>
+      </p:sp>
+    </p:spTree>
+    <p:extLst>
+      <p:ext uri="{BB962C8B-B14F-4D97-AF65-F5344CB8AC3E}">
+        <p14:creationId xmlns:p14="http://schemas.microsoft.com/office/powerpoint/2010/main" val="569813017"/>
+      </p:ext>
+    </p:extLst>
+  </p:cSld>
+  <p:clrMapOvr>
+    <a:masterClrMapping/>
+  </p:clrMapOvr>
+</p:sld>
+</file>
+
+<file path=ppt/slides/slide18.xml><?xml version="1.0" encoding="utf-8"?>
+<p:sld xmlns:a="http://schemas.openxmlformats.org/drawingml/2006/main" xmlns:r="http://schemas.openxmlformats.org/officeDocument/2006/relationships" xmlns:p="http://schemas.openxmlformats.org/presentationml/2006/main">
+  <p:cSld>
+    <p:spTree>
+      <p:nvGrpSpPr>
+        <p:cNvPr id="1" name=""/>
+        <p:cNvGrpSpPr/>
+        <p:nvPr/>
+      </p:nvGrpSpPr>
+      <p:grpSpPr>
+        <a:xfrm>
+          <a:off x="0" y="0"/>
+          <a:ext cx="0" cy="0"/>
+          <a:chOff x="0" y="0"/>
+          <a:chExt cx="0" cy="0"/>
+        </a:xfrm>
+      </p:grpSpPr>
+      <p:sp>
+        <p:nvSpPr>
+          <p:cNvPr id="2" name="Title 1">
+            <a:extLst>
+              <a:ext uri="{FF2B5EF4-FFF2-40B4-BE49-F238E27FC236}">
+                <a16:creationId xmlns:a16="http://schemas.microsoft.com/office/drawing/2014/main" id="{849F498E-A8E8-4BD4-854D-953CBC9F6B7E}"/>
+              </a:ext>
+            </a:extLst>
+          </p:cNvPr>
+          <p:cNvSpPr>
+            <a:spLocks noGrp="1"/>
+          </p:cNvSpPr>
+          <p:nvPr>
+            <p:ph type="title"/>
+          </p:nvPr>
+        </p:nvSpPr>
+        <p:spPr/>
+        <p:txBody>
+          <a:bodyPr/>
+          <a:lstStyle/>
+          <a:p>
+            <a:r>
+              <a:rPr lang="ru-RU" dirty="0"/>
+              <a:t>Зачем анализировать изображения</a:t>
+            </a:r>
+            <a:endParaRPr lang="en-US" dirty="0"/>
+          </a:p>
+        </p:txBody>
+      </p:sp>
+      <p:sp>
+        <p:nvSpPr>
+          <p:cNvPr id="4" name="Slide Number Placeholder 3">
+            <a:extLst>
+              <a:ext uri="{FF2B5EF4-FFF2-40B4-BE49-F238E27FC236}">
+                <a16:creationId xmlns:a16="http://schemas.microsoft.com/office/drawing/2014/main" id="{18FA437D-0CDA-44B1-9381-9B1F1B14D238}"/>
+              </a:ext>
+            </a:extLst>
+          </p:cNvPr>
+          <p:cNvSpPr>
+            <a:spLocks noGrp="1"/>
+          </p:cNvSpPr>
+          <p:nvPr>
+            <p:ph type="sldNum" sz="quarter" idx="15"/>
+          </p:nvPr>
+        </p:nvSpPr>
+        <p:spPr/>
+        <p:txBody>
+          <a:bodyPr/>
+          <a:lstStyle/>
+          <a:p>
+            <a:fld id="{64AFD7DF-275D-4362-92B1-655386778701}" type="slidenum">
+              <a:rPr lang="ru-RU" smtClean="0"/>
+              <a:t>18</a:t>
+            </a:fld>
+            <a:endParaRPr lang="ru-RU"/>
+          </a:p>
+        </p:txBody>
+      </p:sp>
+      <p:pic>
+        <p:nvPicPr>
+          <p:cNvPr id="5" name="Picture 2" descr="Face Recognition ">
+            <a:extLst>
+              <a:ext uri="{FF2B5EF4-FFF2-40B4-BE49-F238E27FC236}">
+                <a16:creationId xmlns:a16="http://schemas.microsoft.com/office/drawing/2014/main" id="{FBA16CAA-0F81-40C7-982D-FDA2CC239147}"/>
+              </a:ext>
+            </a:extLst>
+          </p:cNvPr>
+          <p:cNvPicPr>
+            <a:picLocks noGrp="1" noChangeAspect="1" noChangeArrowheads="1"/>
+          </p:cNvPicPr>
+          <p:nvPr>
+            <p:ph idx="1"/>
+          </p:nvPr>
+        </p:nvPicPr>
+        <p:blipFill rotWithShape="1">
+          <a:blip r:embed="rId2">
+            <a:extLst>
+              <a:ext uri="{28A0092B-C50C-407E-A947-70E740481C1C}">
+                <a14:useLocalDpi xmlns:a14="http://schemas.microsoft.com/office/drawing/2010/main" val="0"/>
+              </a:ext>
+            </a:extLst>
+          </a:blip>
+          <a:srcRect l="11532" r="21074"/>
+          <a:stretch/>
+        </p:blipFill>
+        <p:spPr bwMode="auto">
+          <a:xfrm>
+            <a:off x="1619672" y="1556792"/>
+            <a:ext cx="6120680" cy="4652872"/>
+          </a:xfrm>
+          <a:prstGeom prst="rect">
+            <a:avLst/>
+          </a:prstGeom>
+          <a:noFill/>
+          <a:extLst>
+            <a:ext uri="{909E8E84-426E-40DD-AFC4-6F175D3DCCD1}">
+              <a14:hiddenFill xmlns:a14="http://schemas.microsoft.com/office/drawing/2010/main">
+                <a:solidFill>
+                  <a:srgbClr val="FFFFFF"/>
+                </a:solidFill>
+              </a14:hiddenFill>
+            </a:ext>
+          </a:extLst>
+        </p:spPr>
+      </p:pic>
+    </p:spTree>
+    <p:extLst>
+      <p:ext uri="{BB962C8B-B14F-4D97-AF65-F5344CB8AC3E}">
+        <p14:creationId xmlns:p14="http://schemas.microsoft.com/office/powerpoint/2010/main" val="2999450651"/>
+      </p:ext>
+    </p:extLst>
+  </p:cSld>
+  <p:clrMapOvr>
+    <a:masterClrMapping/>
+  </p:clrMapOvr>
+</p:sld>
+</file>
+
+<file path=ppt/slides/slide19.xml><?xml version="1.0" encoding="utf-8"?>
+<p:sld xmlns:a="http://schemas.openxmlformats.org/drawingml/2006/main" xmlns:r="http://schemas.openxmlformats.org/officeDocument/2006/relationships" xmlns:p="http://schemas.openxmlformats.org/presentationml/2006/main">
+  <p:cSld>
+    <p:spTree>
+      <p:nvGrpSpPr>
+        <p:cNvPr id="1" name=""/>
+        <p:cNvGrpSpPr/>
+        <p:nvPr/>
+      </p:nvGrpSpPr>
+      <p:grpSpPr>
+        <a:xfrm>
+          <a:off x="0" y="0"/>
+          <a:ext cx="0" cy="0"/>
+          <a:chOff x="0" y="0"/>
+          <a:chExt cx="0" cy="0"/>
+        </a:xfrm>
+      </p:grpSpPr>
+      <p:sp>
+        <p:nvSpPr>
+          <p:cNvPr id="2" name="Title 1">
+            <a:extLst>
+              <a:ext uri="{FF2B5EF4-FFF2-40B4-BE49-F238E27FC236}">
+                <a16:creationId xmlns:a16="http://schemas.microsoft.com/office/drawing/2014/main" id="{849F498E-A8E8-4BD4-854D-953CBC9F6B7E}"/>
+              </a:ext>
+            </a:extLst>
+          </p:cNvPr>
+          <p:cNvSpPr>
+            <a:spLocks noGrp="1"/>
+          </p:cNvSpPr>
+          <p:nvPr>
+            <p:ph type="title"/>
+          </p:nvPr>
+        </p:nvSpPr>
+        <p:spPr/>
+        <p:txBody>
+          <a:bodyPr/>
+          <a:lstStyle/>
+          <a:p>
+            <a:r>
+              <a:rPr lang="ru-RU" dirty="0"/>
+              <a:t>Зачем анализировать изображения</a:t>
+            </a:r>
+            <a:endParaRPr lang="en-US" dirty="0"/>
+          </a:p>
+        </p:txBody>
+      </p:sp>
+      <p:sp>
+        <p:nvSpPr>
+          <p:cNvPr id="4" name="Slide Number Placeholder 3">
+            <a:extLst>
+              <a:ext uri="{FF2B5EF4-FFF2-40B4-BE49-F238E27FC236}">
+                <a16:creationId xmlns:a16="http://schemas.microsoft.com/office/drawing/2014/main" id="{18FA437D-0CDA-44B1-9381-9B1F1B14D238}"/>
+              </a:ext>
+            </a:extLst>
+          </p:cNvPr>
+          <p:cNvSpPr>
+            <a:spLocks noGrp="1"/>
+          </p:cNvSpPr>
+          <p:nvPr>
+            <p:ph type="sldNum" sz="quarter" idx="15"/>
+          </p:nvPr>
+        </p:nvSpPr>
+        <p:spPr/>
+        <p:txBody>
+          <a:bodyPr/>
+          <a:lstStyle/>
+          <a:p>
+            <a:fld id="{64AFD7DF-275D-4362-92B1-655386778701}" type="slidenum">
+              <a:rPr lang="ru-RU" smtClean="0"/>
+              <a:t>19</a:t>
+            </a:fld>
+            <a:endParaRPr lang="ru-RU"/>
+          </a:p>
+        </p:txBody>
+      </p:sp>
+      <p:pic>
+        <p:nvPicPr>
+          <p:cNvPr id="6146" name="Picture 2">
+            <a:extLst>
+              <a:ext uri="{FF2B5EF4-FFF2-40B4-BE49-F238E27FC236}">
+                <a16:creationId xmlns:a16="http://schemas.microsoft.com/office/drawing/2014/main" id="{6CF1BB64-F60F-47EA-B5F7-B7CC31AF3180}"/>
+              </a:ext>
+            </a:extLst>
+          </p:cNvPr>
+          <p:cNvPicPr>
+            <a:picLocks noChangeAspect="1" noChangeArrowheads="1"/>
+          </p:cNvPicPr>
+          <p:nvPr/>
+        </p:nvPicPr>
+        <p:blipFill>
+          <a:blip r:embed="rId2">
+            <a:extLst>
+              <a:ext uri="{28A0092B-C50C-407E-A947-70E740481C1C}">
+                <a14:useLocalDpi xmlns:a14="http://schemas.microsoft.com/office/drawing/2010/main" val="0"/>
+              </a:ext>
+            </a:extLst>
+          </a:blip>
+          <a:srcRect/>
+          <a:stretch>
+            <a:fillRect/>
+          </a:stretch>
+        </p:blipFill>
+        <p:spPr bwMode="auto">
+          <a:xfrm>
+            <a:off x="1190625" y="1556792"/>
+            <a:ext cx="6000750" cy="4010025"/>
+          </a:xfrm>
+          <a:prstGeom prst="rect">
+            <a:avLst/>
+          </a:prstGeom>
+          <a:noFill/>
+          <a:extLst>
+            <a:ext uri="{909E8E84-426E-40DD-AFC4-6F175D3DCCD1}">
+              <a14:hiddenFill xmlns:a14="http://schemas.microsoft.com/office/drawing/2010/main">
+                <a:solidFill>
+                  <a:srgbClr val="FFFFFF"/>
+                </a:solidFill>
+              </a14:hiddenFill>
+            </a:ext>
+          </a:extLst>
+        </p:spPr>
+      </p:pic>
+      <p:sp>
+        <p:nvSpPr>
+          <p:cNvPr id="6" name="Rectangle 5">
+            <a:extLst>
+              <a:ext uri="{FF2B5EF4-FFF2-40B4-BE49-F238E27FC236}">
+                <a16:creationId xmlns:a16="http://schemas.microsoft.com/office/drawing/2014/main" id="{E7B726DF-97D5-45EA-9FB5-EF804EAA46ED}"/>
+              </a:ext>
+            </a:extLst>
+          </p:cNvPr>
+          <p:cNvSpPr/>
+          <p:nvPr/>
+        </p:nvSpPr>
+        <p:spPr>
+          <a:xfrm>
+            <a:off x="1043608" y="5566817"/>
+            <a:ext cx="6480720" cy="1200329"/>
+          </a:xfrm>
+          <a:prstGeom prst="rect">
+            <a:avLst/>
+          </a:prstGeom>
+        </p:spPr>
+        <p:txBody>
+          <a:bodyPr wrap="square">
+            <a:spAutoFit/>
+          </a:bodyPr>
+          <a:lstStyle/>
+          <a:p>
+            <a:r>
+              <a:rPr lang="ru-RU" b="1" dirty="0">
+                <a:solidFill>
+                  <a:srgbClr val="333333"/>
+                </a:solidFill>
+                <a:latin typeface="Gotham A"/>
+              </a:rPr>
+              <a:t>Нидерландец придумал систему распознавания морды соседского кота, чтобы пускать его домой</a:t>
+            </a:r>
+          </a:p>
+          <a:p>
+            <a:r>
+              <a:rPr lang="en-US" dirty="0">
+                <a:hlinkClick r:id="rId3"/>
+              </a:rPr>
+              <a:t>https://birdinflight.com/ru/novosti/20180301-facial-recognition-diy-pets-cats-dogs.html</a:t>
+            </a:r>
+            <a:endParaRPr lang="ru-RU" i="0" dirty="0">
+              <a:solidFill>
+                <a:srgbClr val="333333"/>
+              </a:solidFill>
+              <a:effectLst/>
+              <a:latin typeface="Gotham A"/>
+            </a:endParaRPr>
+          </a:p>
+        </p:txBody>
+      </p:sp>
+    </p:spTree>
+    <p:extLst>
+      <p:ext uri="{BB962C8B-B14F-4D97-AF65-F5344CB8AC3E}">
+        <p14:creationId xmlns:p14="http://schemas.microsoft.com/office/powerpoint/2010/main" val="882169632"/>
       </p:ext>
     </p:extLst>
   </p:cSld>
@@ -5435,7 +8024,13 @@
       </p:grpSpPr>
       <p:sp>
         <p:nvSpPr>
-          <p:cNvPr id="2" name="Заголовок 1"/>
+          <p:cNvPr id="2" name="Title 1">
+            <a:extLst>
+              <a:ext uri="{FF2B5EF4-FFF2-40B4-BE49-F238E27FC236}">
+                <a16:creationId xmlns:a16="http://schemas.microsoft.com/office/drawing/2014/main" id="{7A32345B-FB6E-47BB-B2F2-0D5785539941}"/>
+              </a:ext>
+            </a:extLst>
+          </p:cNvPr>
           <p:cNvSpPr>
             <a:spLocks noGrp="1"/>
           </p:cNvSpPr>
@@ -5445,7 +8040,7 @@
         </p:nvSpPr>
         <p:spPr>
           <a:xfrm>
-            <a:off x="467544" y="-315416"/>
+            <a:off x="251520" y="-571500"/>
             <a:ext cx="7467600" cy="1143000"/>
           </a:xfrm>
         </p:spPr>
@@ -5454,16 +8049,22 @@
           <a:lstStyle/>
           <a:p>
             <a:r>
-              <a:rPr lang="en-US" dirty="0"/>
-              <a:t>Agenda</a:t>
-            </a:r>
-            <a:endParaRPr lang="ru-RU" dirty="0"/>
-          </a:p>
-        </p:txBody>
-      </p:sp>
-      <p:sp>
-        <p:nvSpPr>
-          <p:cNvPr id="4" name="Номер слайда 3"/>
+              <a:rPr lang="ru-RU" dirty="0"/>
+              <a:t>Разминка, найди кота</a:t>
+            </a:r>
+            <a:endParaRPr lang="en-US" dirty="0"/>
+          </a:p>
+        </p:txBody>
+      </p:sp>
+      <p:sp>
+        <p:nvSpPr>
+          <p:cNvPr id="4" name="Slide Number Placeholder 3">
+            <a:extLst>
+              <a:ext uri="{FF2B5EF4-FFF2-40B4-BE49-F238E27FC236}">
+                <a16:creationId xmlns:a16="http://schemas.microsoft.com/office/drawing/2014/main" id="{3447210C-0A3D-4A29-87ED-C85C6560D544}"/>
+              </a:ext>
+            </a:extLst>
+          </p:cNvPr>
           <p:cNvSpPr>
             <a:spLocks noGrp="1"/>
           </p:cNvSpPr>
@@ -5484,90 +8085,621 @@
           </a:p>
         </p:txBody>
       </p:sp>
-      <p:sp>
-        <p:nvSpPr>
-          <p:cNvPr id="7" name="Content Placeholder 6">
+      <p:pic>
+        <p:nvPicPr>
+          <p:cNvPr id="5122" name="Picture 2">
             <a:extLst>
               <a:ext uri="{FF2B5EF4-FFF2-40B4-BE49-F238E27FC236}">
-                <a16:creationId xmlns:a16="http://schemas.microsoft.com/office/drawing/2014/main" id="{7304AA13-7434-4AA6-B977-E6EF380863BF}"/>
+                <a16:creationId xmlns:a16="http://schemas.microsoft.com/office/drawing/2014/main" id="{800BC058-E647-4A69-A2F1-5795EA42B4B5}"/>
               </a:ext>
             </a:extLst>
           </p:cNvPr>
-          <p:cNvSpPr>
-            <a:spLocks noGrp="1"/>
-          </p:cNvSpPr>
+          <p:cNvPicPr>
+            <a:picLocks noGrp="1" noChangeAspect="1" noChangeArrowheads="1"/>
+          </p:cNvPicPr>
           <p:nvPr>
             <p:ph sz="quarter" idx="1"/>
           </p:nvPr>
-        </p:nvSpPr>
-        <p:spPr/>
-        <p:txBody>
-          <a:bodyPr/>
-          <a:lstStyle/>
-          <a:p>
-            <a:r>
-              <a:rPr lang="ru-RU" dirty="0"/>
-              <a:t>Типы изображений</a:t>
-            </a:r>
-            <a:endParaRPr lang="en-US" dirty="0"/>
-          </a:p>
-          <a:p>
-            <a:r>
-              <a:rPr lang="ru-RU" dirty="0"/>
-              <a:t>Источники изображений</a:t>
-            </a:r>
-          </a:p>
-          <a:p>
-            <a:r>
-              <a:rPr lang="ru-RU" dirty="0"/>
-              <a:t>Что такое изображение?</a:t>
-            </a:r>
-          </a:p>
-          <a:p>
-            <a:r>
-              <a:rPr lang="ru-RU" dirty="0"/>
-              <a:t>Цветовые модели</a:t>
-            </a:r>
-          </a:p>
-          <a:p>
-            <a:r>
-              <a:rPr lang="ru-RU" dirty="0"/>
-              <a:t>Зачем вообще анализировать изображения?</a:t>
-            </a:r>
-          </a:p>
-          <a:p>
-            <a:r>
-              <a:rPr lang="ru-RU" dirty="0"/>
-              <a:t>Ликбез в </a:t>
-            </a:r>
-            <a:r>
-              <a:rPr lang="en-US" dirty="0"/>
-              <a:t>Python</a:t>
-            </a:r>
-          </a:p>
-          <a:p>
-            <a:r>
-              <a:rPr lang="ru-RU" dirty="0"/>
-              <a:t>Изображения в </a:t>
-            </a:r>
-            <a:r>
-              <a:rPr lang="en-US" dirty="0"/>
-              <a:t>Python</a:t>
-            </a:r>
-          </a:p>
-          <a:p>
-            <a:r>
-              <a:rPr lang="ru-RU" dirty="0"/>
-              <a:t>Операция свертки</a:t>
-            </a:r>
-            <a:endParaRPr lang="en-US" dirty="0"/>
-          </a:p>
-        </p:txBody>
-      </p:sp>
+        </p:nvPicPr>
+        <p:blipFill>
+          <a:blip r:embed="rId2">
+            <a:extLst>
+              <a:ext uri="{28A0092B-C50C-407E-A947-70E740481C1C}">
+                <a14:useLocalDpi xmlns:a14="http://schemas.microsoft.com/office/drawing/2010/main" val="0"/>
+              </a:ext>
+            </a:extLst>
+          </a:blip>
+          <a:srcRect/>
+          <a:stretch>
+            <a:fillRect/>
+          </a:stretch>
+        </p:blipFill>
+        <p:spPr bwMode="auto">
+          <a:xfrm>
+            <a:off x="2229272" y="467022"/>
+            <a:ext cx="4608512" cy="6390978"/>
+          </a:xfrm>
+          <a:prstGeom prst="rect">
+            <a:avLst/>
+          </a:prstGeom>
+          <a:noFill/>
+          <a:extLst>
+            <a:ext uri="{909E8E84-426E-40DD-AFC4-6F175D3DCCD1}">
+              <a14:hiddenFill xmlns:a14="http://schemas.microsoft.com/office/drawing/2010/main">
+                <a:solidFill>
+                  <a:srgbClr val="FFFFFF"/>
+                </a:solidFill>
+              </a14:hiddenFill>
+            </a:ext>
+          </a:extLst>
+        </p:spPr>
+      </p:pic>
     </p:spTree>
     <p:extLst>
       <p:ext uri="{BB962C8B-B14F-4D97-AF65-F5344CB8AC3E}">
-        <p14:creationId xmlns:p14="http://schemas.microsoft.com/office/powerpoint/2010/main" val="3527089515"/>
+        <p14:creationId xmlns:p14="http://schemas.microsoft.com/office/powerpoint/2010/main" val="3584521410"/>
+      </p:ext>
+    </p:extLst>
+  </p:cSld>
+  <p:clrMapOvr>
+    <a:masterClrMapping/>
+  </p:clrMapOvr>
+</p:sld>
+</file>
+
+<file path=ppt/slides/slide20.xml><?xml version="1.0" encoding="utf-8"?>
+<p:sld xmlns:a="http://schemas.openxmlformats.org/drawingml/2006/main" xmlns:r="http://schemas.openxmlformats.org/officeDocument/2006/relationships" xmlns:p="http://schemas.openxmlformats.org/presentationml/2006/main">
+  <p:cSld>
+    <p:spTree>
+      <p:nvGrpSpPr>
+        <p:cNvPr id="1" name=""/>
+        <p:cNvGrpSpPr/>
+        <p:nvPr/>
+      </p:nvGrpSpPr>
+      <p:grpSpPr>
+        <a:xfrm>
+          <a:off x="0" y="0"/>
+          <a:ext cx="0" cy="0"/>
+          <a:chOff x="0" y="0"/>
+          <a:chExt cx="0" cy="0"/>
+        </a:xfrm>
+      </p:grpSpPr>
+      <p:sp>
+        <p:nvSpPr>
+          <p:cNvPr id="2" name="Title 1">
+            <a:extLst>
+              <a:ext uri="{FF2B5EF4-FFF2-40B4-BE49-F238E27FC236}">
+                <a16:creationId xmlns:a16="http://schemas.microsoft.com/office/drawing/2014/main" id="{849F498E-A8E8-4BD4-854D-953CBC9F6B7E}"/>
+              </a:ext>
+            </a:extLst>
+          </p:cNvPr>
+          <p:cNvSpPr>
+            <a:spLocks noGrp="1"/>
+          </p:cNvSpPr>
+          <p:nvPr>
+            <p:ph type="title"/>
+          </p:nvPr>
+        </p:nvSpPr>
+        <p:spPr/>
+        <p:txBody>
+          <a:bodyPr/>
+          <a:lstStyle/>
+          <a:p>
+            <a:r>
+              <a:rPr lang="ru-RU" dirty="0"/>
+              <a:t>Зачем анализировать изображения</a:t>
+            </a:r>
+            <a:endParaRPr lang="en-US" dirty="0"/>
+          </a:p>
+        </p:txBody>
+      </p:sp>
+      <p:sp>
+        <p:nvSpPr>
+          <p:cNvPr id="4" name="Slide Number Placeholder 3">
+            <a:extLst>
+              <a:ext uri="{FF2B5EF4-FFF2-40B4-BE49-F238E27FC236}">
+                <a16:creationId xmlns:a16="http://schemas.microsoft.com/office/drawing/2014/main" id="{18FA437D-0CDA-44B1-9381-9B1F1B14D238}"/>
+              </a:ext>
+            </a:extLst>
+          </p:cNvPr>
+          <p:cNvSpPr>
+            <a:spLocks noGrp="1"/>
+          </p:cNvSpPr>
+          <p:nvPr>
+            <p:ph type="sldNum" sz="quarter" idx="15"/>
+          </p:nvPr>
+        </p:nvSpPr>
+        <p:spPr/>
+        <p:txBody>
+          <a:bodyPr/>
+          <a:lstStyle/>
+          <a:p>
+            <a:fld id="{64AFD7DF-275D-4362-92B1-655386778701}" type="slidenum">
+              <a:rPr lang="ru-RU" smtClean="0"/>
+              <a:t>20</a:t>
+            </a:fld>
+            <a:endParaRPr lang="ru-RU"/>
+          </a:p>
+        </p:txBody>
+      </p:sp>
+      <p:pic>
+        <p:nvPicPr>
+          <p:cNvPr id="6" name="Picture 5">
+            <a:extLst>
+              <a:ext uri="{FF2B5EF4-FFF2-40B4-BE49-F238E27FC236}">
+                <a16:creationId xmlns:a16="http://schemas.microsoft.com/office/drawing/2014/main" id="{F73F956D-A3BC-4A07-9F87-A52AA3FF547A}"/>
+              </a:ext>
+            </a:extLst>
+          </p:cNvPr>
+          <p:cNvPicPr>
+            <a:picLocks noChangeAspect="1"/>
+          </p:cNvPicPr>
+          <p:nvPr/>
+        </p:nvPicPr>
+        <p:blipFill>
+          <a:blip r:embed="rId2"/>
+          <a:stretch>
+            <a:fillRect/>
+          </a:stretch>
+        </p:blipFill>
+        <p:spPr>
+          <a:xfrm>
+            <a:off x="1443585" y="1916832"/>
+            <a:ext cx="5944331" cy="2404864"/>
+          </a:xfrm>
+          <a:prstGeom prst="rect">
+            <a:avLst/>
+          </a:prstGeom>
+        </p:spPr>
+      </p:pic>
+      <p:sp>
+        <p:nvSpPr>
+          <p:cNvPr id="7" name="Rectangle 6">
+            <a:extLst>
+              <a:ext uri="{FF2B5EF4-FFF2-40B4-BE49-F238E27FC236}">
+                <a16:creationId xmlns:a16="http://schemas.microsoft.com/office/drawing/2014/main" id="{FAE26A85-2DCE-4B91-BFC9-24C778D889DA}"/>
+              </a:ext>
+            </a:extLst>
+          </p:cNvPr>
+          <p:cNvSpPr/>
+          <p:nvPr/>
+        </p:nvSpPr>
+        <p:spPr>
+          <a:xfrm>
+            <a:off x="3275854" y="4780531"/>
+            <a:ext cx="2279791" cy="369332"/>
+          </a:xfrm>
+          <a:prstGeom prst="rect">
+            <a:avLst/>
+          </a:prstGeom>
+        </p:spPr>
+        <p:txBody>
+          <a:bodyPr wrap="none">
+            <a:spAutoFit/>
+          </a:bodyPr>
+          <a:lstStyle/>
+          <a:p>
+            <a:r>
+              <a:rPr lang="en-US" dirty="0">
+                <a:hlinkClick r:id="rId3"/>
+              </a:rPr>
+              <a:t>https://findclone.ru/</a:t>
+            </a:r>
+            <a:endParaRPr lang="en-US" dirty="0"/>
+          </a:p>
+        </p:txBody>
+      </p:sp>
+    </p:spTree>
+    <p:extLst>
+      <p:ext uri="{BB962C8B-B14F-4D97-AF65-F5344CB8AC3E}">
+        <p14:creationId xmlns:p14="http://schemas.microsoft.com/office/powerpoint/2010/main" val="1375879068"/>
+      </p:ext>
+    </p:extLst>
+  </p:cSld>
+  <p:clrMapOvr>
+    <a:masterClrMapping/>
+  </p:clrMapOvr>
+</p:sld>
+</file>
+
+<file path=ppt/slides/slide21.xml><?xml version="1.0" encoding="utf-8"?>
+<p:sld xmlns:a="http://schemas.openxmlformats.org/drawingml/2006/main" xmlns:r="http://schemas.openxmlformats.org/officeDocument/2006/relationships" xmlns:p="http://schemas.openxmlformats.org/presentationml/2006/main">
+  <p:cSld>
+    <p:spTree>
+      <p:nvGrpSpPr>
+        <p:cNvPr id="1" name=""/>
+        <p:cNvGrpSpPr/>
+        <p:nvPr/>
+      </p:nvGrpSpPr>
+      <p:grpSpPr>
+        <a:xfrm>
+          <a:off x="0" y="0"/>
+          <a:ext cx="0" cy="0"/>
+          <a:chOff x="0" y="0"/>
+          <a:chExt cx="0" cy="0"/>
+        </a:xfrm>
+      </p:grpSpPr>
+      <p:sp>
+        <p:nvSpPr>
+          <p:cNvPr id="2" name="Title 1">
+            <a:extLst>
+              <a:ext uri="{FF2B5EF4-FFF2-40B4-BE49-F238E27FC236}">
+                <a16:creationId xmlns:a16="http://schemas.microsoft.com/office/drawing/2014/main" id="{849F498E-A8E8-4BD4-854D-953CBC9F6B7E}"/>
+              </a:ext>
+            </a:extLst>
+          </p:cNvPr>
+          <p:cNvSpPr>
+            <a:spLocks noGrp="1"/>
+          </p:cNvSpPr>
+          <p:nvPr>
+            <p:ph type="title"/>
+          </p:nvPr>
+        </p:nvSpPr>
+        <p:spPr/>
+        <p:txBody>
+          <a:bodyPr/>
+          <a:lstStyle/>
+          <a:p>
+            <a:r>
+              <a:rPr lang="ru-RU" dirty="0"/>
+              <a:t>Зачем анализировать изображения</a:t>
+            </a:r>
+            <a:endParaRPr lang="en-US" dirty="0"/>
+          </a:p>
+        </p:txBody>
+      </p:sp>
+      <p:sp>
+        <p:nvSpPr>
+          <p:cNvPr id="4" name="Slide Number Placeholder 3">
+            <a:extLst>
+              <a:ext uri="{FF2B5EF4-FFF2-40B4-BE49-F238E27FC236}">
+                <a16:creationId xmlns:a16="http://schemas.microsoft.com/office/drawing/2014/main" id="{18FA437D-0CDA-44B1-9381-9B1F1B14D238}"/>
+              </a:ext>
+            </a:extLst>
+          </p:cNvPr>
+          <p:cNvSpPr>
+            <a:spLocks noGrp="1"/>
+          </p:cNvSpPr>
+          <p:nvPr>
+            <p:ph type="sldNum" sz="quarter" idx="15"/>
+          </p:nvPr>
+        </p:nvSpPr>
+        <p:spPr/>
+        <p:txBody>
+          <a:bodyPr/>
+          <a:lstStyle/>
+          <a:p>
+            <a:fld id="{64AFD7DF-275D-4362-92B1-655386778701}" type="slidenum">
+              <a:rPr lang="ru-RU" smtClean="0"/>
+              <a:t>21</a:t>
+            </a:fld>
+            <a:endParaRPr lang="ru-RU"/>
+          </a:p>
+        </p:txBody>
+      </p:sp>
+      <p:pic>
+        <p:nvPicPr>
+          <p:cNvPr id="8" name="Picture 6" descr="http://sstgroup.co.uk/wp-content/uploads/2012/03/Target_Path.jpg">
+            <a:extLst>
+              <a:ext uri="{FF2B5EF4-FFF2-40B4-BE49-F238E27FC236}">
+                <a16:creationId xmlns:a16="http://schemas.microsoft.com/office/drawing/2014/main" id="{1CFEAE63-FFB4-4123-83CF-FD7D70E0F2B4}"/>
+              </a:ext>
+            </a:extLst>
+          </p:cNvPr>
+          <p:cNvPicPr>
+            <a:picLocks noChangeAspect="1" noChangeArrowheads="1"/>
+          </p:cNvPicPr>
+          <p:nvPr/>
+        </p:nvPicPr>
+        <p:blipFill>
+          <a:blip r:embed="rId2">
+            <a:extLst>
+              <a:ext uri="{28A0092B-C50C-407E-A947-70E740481C1C}">
+                <a14:useLocalDpi xmlns:a14="http://schemas.microsoft.com/office/drawing/2010/main" val="0"/>
+              </a:ext>
+            </a:extLst>
+          </a:blip>
+          <a:srcRect/>
+          <a:stretch>
+            <a:fillRect/>
+          </a:stretch>
+        </p:blipFill>
+        <p:spPr bwMode="auto">
+          <a:xfrm>
+            <a:off x="251520" y="1417638"/>
+            <a:ext cx="5496545" cy="3539929"/>
+          </a:xfrm>
+          <a:prstGeom prst="rect">
+            <a:avLst/>
+          </a:prstGeom>
+          <a:noFill/>
+          <a:extLst>
+            <a:ext uri="{909E8E84-426E-40DD-AFC4-6F175D3DCCD1}">
+              <a14:hiddenFill xmlns:a14="http://schemas.microsoft.com/office/drawing/2010/main">
+                <a:solidFill>
+                  <a:srgbClr val="FFFFFF"/>
+                </a:solidFill>
+              </a14:hiddenFill>
+            </a:ext>
+          </a:extLst>
+        </p:spPr>
+      </p:pic>
+      <p:pic>
+        <p:nvPicPr>
+          <p:cNvPr id="9" name="Picture 2" descr="&lt;p&gt;This RetailNext heat map gives a different view of store traffic.&lt;/p&gt;">
+            <a:extLst>
+              <a:ext uri="{FF2B5EF4-FFF2-40B4-BE49-F238E27FC236}">
+                <a16:creationId xmlns:a16="http://schemas.microsoft.com/office/drawing/2014/main" id="{1ECC6F99-FCF5-41C0-8E90-6DA2234D5001}"/>
+              </a:ext>
+            </a:extLst>
+          </p:cNvPr>
+          <p:cNvPicPr>
+            <a:picLocks noGrp="1" noChangeAspect="1" noChangeArrowheads="1"/>
+          </p:cNvPicPr>
+          <p:nvPr>
+            <p:ph idx="1"/>
+          </p:nvPr>
+        </p:nvPicPr>
+        <p:blipFill>
+          <a:blip r:embed="rId3">
+            <a:extLst>
+              <a:ext uri="{28A0092B-C50C-407E-A947-70E740481C1C}">
+                <a14:useLocalDpi xmlns:a14="http://schemas.microsoft.com/office/drawing/2010/main" val="0"/>
+              </a:ext>
+            </a:extLst>
+          </a:blip>
+          <a:srcRect/>
+          <a:stretch>
+            <a:fillRect/>
+          </a:stretch>
+        </p:blipFill>
+        <p:spPr bwMode="auto">
+          <a:xfrm>
+            <a:off x="4166217" y="2300877"/>
+            <a:ext cx="4550899" cy="3411469"/>
+          </a:xfrm>
+          <a:prstGeom prst="rect">
+            <a:avLst/>
+          </a:prstGeom>
+          <a:noFill/>
+          <a:extLst>
+            <a:ext uri="{909E8E84-426E-40DD-AFC4-6F175D3DCCD1}">
+              <a14:hiddenFill xmlns:a14="http://schemas.microsoft.com/office/drawing/2010/main">
+                <a:solidFill>
+                  <a:srgbClr val="FFFFFF"/>
+                </a:solidFill>
+              </a14:hiddenFill>
+            </a:ext>
+          </a:extLst>
+        </p:spPr>
+      </p:pic>
+      <p:sp>
+        <p:nvSpPr>
+          <p:cNvPr id="3" name="Rectangle 2">
+            <a:extLst>
+              <a:ext uri="{FF2B5EF4-FFF2-40B4-BE49-F238E27FC236}">
+                <a16:creationId xmlns:a16="http://schemas.microsoft.com/office/drawing/2014/main" id="{AFF33988-9946-484C-B2F6-3DB4C8C318A8}"/>
+              </a:ext>
+            </a:extLst>
+          </p:cNvPr>
+          <p:cNvSpPr/>
+          <p:nvPr/>
+        </p:nvSpPr>
+        <p:spPr>
+          <a:xfrm>
+            <a:off x="340025" y="6318586"/>
+            <a:ext cx="8105556" cy="276999"/>
+          </a:xfrm>
+          <a:prstGeom prst="rect">
+            <a:avLst/>
+          </a:prstGeom>
+        </p:spPr>
+        <p:txBody>
+          <a:bodyPr wrap="square">
+            <a:spAutoFit/>
+          </a:bodyPr>
+          <a:lstStyle/>
+          <a:p>
+            <a:r>
+              <a:rPr lang="en-US" sz="1200" dirty="0"/>
+              <a:t>http://www.nytimes.com/2013/07/15/business/attention-shopper-stores-are-tracking-your-cell.html?_r=0</a:t>
+            </a:r>
+          </a:p>
+        </p:txBody>
+      </p:sp>
+    </p:spTree>
+    <p:extLst>
+      <p:ext uri="{BB962C8B-B14F-4D97-AF65-F5344CB8AC3E}">
+        <p14:creationId xmlns:p14="http://schemas.microsoft.com/office/powerpoint/2010/main" val="1920413068"/>
+      </p:ext>
+    </p:extLst>
+  </p:cSld>
+  <p:clrMapOvr>
+    <a:masterClrMapping/>
+  </p:clrMapOvr>
+</p:sld>
+</file>
+
+<file path=ppt/slides/slide22.xml><?xml version="1.0" encoding="utf-8"?>
+<p:sld xmlns:a="http://schemas.openxmlformats.org/drawingml/2006/main" xmlns:r="http://schemas.openxmlformats.org/officeDocument/2006/relationships" xmlns:p="http://schemas.openxmlformats.org/presentationml/2006/main">
+  <p:cSld>
+    <p:spTree>
+      <p:nvGrpSpPr>
+        <p:cNvPr id="1" name=""/>
+        <p:cNvGrpSpPr/>
+        <p:nvPr/>
+      </p:nvGrpSpPr>
+      <p:grpSpPr>
+        <a:xfrm>
+          <a:off x="0" y="0"/>
+          <a:ext cx="0" cy="0"/>
+          <a:chOff x="0" y="0"/>
+          <a:chExt cx="0" cy="0"/>
+        </a:xfrm>
+      </p:grpSpPr>
+      <p:sp>
+        <p:nvSpPr>
+          <p:cNvPr id="2" name="Title 1">
+            <a:extLst>
+              <a:ext uri="{FF2B5EF4-FFF2-40B4-BE49-F238E27FC236}">
+                <a16:creationId xmlns:a16="http://schemas.microsoft.com/office/drawing/2014/main" id="{05F43A41-9907-4936-8DF2-6B3AE6E64311}"/>
+              </a:ext>
+            </a:extLst>
+          </p:cNvPr>
+          <p:cNvSpPr>
+            <a:spLocks noGrp="1"/>
+          </p:cNvSpPr>
+          <p:nvPr>
+            <p:ph type="title"/>
+          </p:nvPr>
+        </p:nvSpPr>
+        <p:spPr/>
+        <p:txBody>
+          <a:bodyPr/>
+          <a:lstStyle/>
+          <a:p>
+            <a:endParaRPr lang="en-US"/>
+          </a:p>
+        </p:txBody>
+      </p:sp>
+      <p:sp>
+        <p:nvSpPr>
+          <p:cNvPr id="3" name="Content Placeholder 2">
+            <a:extLst>
+              <a:ext uri="{FF2B5EF4-FFF2-40B4-BE49-F238E27FC236}">
+                <a16:creationId xmlns:a16="http://schemas.microsoft.com/office/drawing/2014/main" id="{FDDE3D04-3731-42B1-A4C7-35DDAFC9EA39}"/>
+              </a:ext>
+            </a:extLst>
+          </p:cNvPr>
+          <p:cNvSpPr>
+            <a:spLocks noGrp="1"/>
+          </p:cNvSpPr>
+          <p:nvPr>
+            <p:ph sz="quarter" idx="1"/>
+          </p:nvPr>
+        </p:nvSpPr>
+        <p:spPr/>
+        <p:txBody>
+          <a:bodyPr/>
+          <a:lstStyle/>
+          <a:p>
+            <a:endParaRPr lang="en-US"/>
+          </a:p>
+        </p:txBody>
+      </p:sp>
+      <p:sp>
+        <p:nvSpPr>
+          <p:cNvPr id="4" name="Slide Number Placeholder 3">
+            <a:extLst>
+              <a:ext uri="{FF2B5EF4-FFF2-40B4-BE49-F238E27FC236}">
+                <a16:creationId xmlns:a16="http://schemas.microsoft.com/office/drawing/2014/main" id="{28816A17-22DD-42AE-A71E-99F74CE8F27B}"/>
+              </a:ext>
+            </a:extLst>
+          </p:cNvPr>
+          <p:cNvSpPr>
+            <a:spLocks noGrp="1"/>
+          </p:cNvSpPr>
+          <p:nvPr>
+            <p:ph type="sldNum" sz="quarter" idx="15"/>
+          </p:nvPr>
+        </p:nvSpPr>
+        <p:spPr/>
+        <p:txBody>
+          <a:bodyPr/>
+          <a:lstStyle/>
+          <a:p>
+            <a:fld id="{64AFD7DF-275D-4362-92B1-655386778701}" type="slidenum">
+              <a:rPr lang="ru-RU" smtClean="0"/>
+              <a:t>22</a:t>
+            </a:fld>
+            <a:endParaRPr lang="ru-RU"/>
+          </a:p>
+        </p:txBody>
+      </p:sp>
+    </p:spTree>
+    <p:extLst>
+      <p:ext uri="{BB962C8B-B14F-4D97-AF65-F5344CB8AC3E}">
+        <p14:creationId xmlns:p14="http://schemas.microsoft.com/office/powerpoint/2010/main" val="2786396037"/>
+      </p:ext>
+    </p:extLst>
+  </p:cSld>
+  <p:clrMapOvr>
+    <a:masterClrMapping/>
+  </p:clrMapOvr>
+</p:sld>
+</file>
+
+<file path=ppt/slides/slide23.xml><?xml version="1.0" encoding="utf-8"?>
+<p:sld xmlns:a="http://schemas.openxmlformats.org/drawingml/2006/main" xmlns:r="http://schemas.openxmlformats.org/officeDocument/2006/relationships" xmlns:p="http://schemas.openxmlformats.org/presentationml/2006/main">
+  <p:cSld>
+    <p:spTree>
+      <p:nvGrpSpPr>
+        <p:cNvPr id="1" name=""/>
+        <p:cNvGrpSpPr/>
+        <p:nvPr/>
+      </p:nvGrpSpPr>
+      <p:grpSpPr>
+        <a:xfrm>
+          <a:off x="0" y="0"/>
+          <a:ext cx="0" cy="0"/>
+          <a:chOff x="0" y="0"/>
+          <a:chExt cx="0" cy="0"/>
+        </a:xfrm>
+      </p:grpSpPr>
+      <p:sp>
+        <p:nvSpPr>
+          <p:cNvPr id="2" name="Заголовок 1"/>
+          <p:cNvSpPr>
+            <a:spLocks noGrp="1"/>
+          </p:cNvSpPr>
+          <p:nvPr>
+            <p:ph type="title"/>
+          </p:nvPr>
+        </p:nvSpPr>
+        <p:spPr>
+          <a:xfrm>
+            <a:off x="2195736" y="2420888"/>
+            <a:ext cx="6120680" cy="1143000"/>
+          </a:xfrm>
+        </p:spPr>
+        <p:txBody>
+          <a:bodyPr/>
+          <a:lstStyle/>
+          <a:p>
+            <a:r>
+              <a:rPr lang="ru-RU" dirty="0"/>
+              <a:t>Спасибо за внимание</a:t>
+            </a:r>
+          </a:p>
+        </p:txBody>
+      </p:sp>
+      <p:sp>
+        <p:nvSpPr>
+          <p:cNvPr id="4" name="Номер слайда 3"/>
+          <p:cNvSpPr>
+            <a:spLocks noGrp="1"/>
+          </p:cNvSpPr>
+          <p:nvPr>
+            <p:ph type="sldNum" sz="quarter" idx="15"/>
+          </p:nvPr>
+        </p:nvSpPr>
+        <p:spPr/>
+        <p:txBody>
+          <a:bodyPr/>
+          <a:lstStyle/>
+          <a:p>
+            <a:fld id="{64AFD7DF-275D-4362-92B1-655386778701}" type="slidenum">
+              <a:rPr lang="ru-RU" smtClean="0"/>
+              <a:t>23</a:t>
+            </a:fld>
+            <a:endParaRPr lang="ru-RU"/>
+          </a:p>
+        </p:txBody>
+      </p:sp>
+    </p:spTree>
+    <p:extLst>
+      <p:ext uri="{BB962C8B-B14F-4D97-AF65-F5344CB8AC3E}">
+        <p14:creationId xmlns:p14="http://schemas.microsoft.com/office/powerpoint/2010/main" val="1317993284"/>
       </p:ext>
     </p:extLst>
   </p:cSld>
@@ -5599,7 +8731,7 @@
           <p:cNvPr id="2" name="Title 1">
             <a:extLst>
               <a:ext uri="{FF2B5EF4-FFF2-40B4-BE49-F238E27FC236}">
-                <a16:creationId xmlns:a16="http://schemas.microsoft.com/office/drawing/2014/main" id="{805BB1DF-862D-4941-9017-25ED2314B246}"/>
+                <a16:creationId xmlns:a16="http://schemas.microsoft.com/office/drawing/2014/main" id="{7A32345B-FB6E-47BB-B2F2-0D5785539941}"/>
               </a:ext>
             </a:extLst>
           </p:cNvPr>
@@ -5610,14 +8742,19 @@
             <p:ph type="title"/>
           </p:nvPr>
         </p:nvSpPr>
-        <p:spPr/>
+        <p:spPr>
+          <a:xfrm>
+            <a:off x="251520" y="-571500"/>
+            <a:ext cx="7467600" cy="1143000"/>
+          </a:xfrm>
+        </p:spPr>
         <p:txBody>
           <a:bodyPr/>
           <a:lstStyle/>
           <a:p>
             <a:r>
               <a:rPr lang="ru-RU" dirty="0"/>
-              <a:t>Классификация изображений</a:t>
+              <a:t>Разминка, найди кота</a:t>
             </a:r>
             <a:endParaRPr lang="en-US" dirty="0"/>
           </a:p>
@@ -5625,35 +8762,10 @@
       </p:sp>
       <p:sp>
         <p:nvSpPr>
-          <p:cNvPr id="3" name="Content Placeholder 2">
+          <p:cNvPr id="4" name="Slide Number Placeholder 3">
             <a:extLst>
               <a:ext uri="{FF2B5EF4-FFF2-40B4-BE49-F238E27FC236}">
-                <a16:creationId xmlns:a16="http://schemas.microsoft.com/office/drawing/2014/main" id="{A3B8FB71-27FE-4911-B1ED-9D90952A6A5B}"/>
-              </a:ext>
-            </a:extLst>
-          </p:cNvPr>
-          <p:cNvSpPr>
-            <a:spLocks noGrp="1"/>
-          </p:cNvSpPr>
-          <p:nvPr>
-            <p:ph sz="quarter" idx="1"/>
-          </p:nvPr>
-        </p:nvSpPr>
-        <p:spPr/>
-        <p:txBody>
-          <a:bodyPr/>
-          <a:lstStyle/>
-          <a:p>
-            <a:endParaRPr lang="en-US"/>
-          </a:p>
-        </p:txBody>
-      </p:sp>
-      <p:sp>
-        <p:nvSpPr>
-          <p:cNvPr id="4" name="Slide Number Placeholder 3">
-            <a:extLst>
-              <a:ext uri="{FF2B5EF4-FFF2-40B4-BE49-F238E27FC236}">
-                <a16:creationId xmlns:a16="http://schemas.microsoft.com/office/drawing/2014/main" id="{0D7B2E5C-143D-4877-9785-373C1A6084FA}"/>
+                <a16:creationId xmlns:a16="http://schemas.microsoft.com/office/drawing/2014/main" id="{3447210C-0A3D-4A29-87ED-C85C6560D544}"/>
               </a:ext>
             </a:extLst>
           </p:cNvPr>
@@ -5677,10 +8789,119 @@
           </a:p>
         </p:txBody>
       </p:sp>
+      <p:pic>
+        <p:nvPicPr>
+          <p:cNvPr id="5122" name="Picture 2">
+            <a:extLst>
+              <a:ext uri="{FF2B5EF4-FFF2-40B4-BE49-F238E27FC236}">
+                <a16:creationId xmlns:a16="http://schemas.microsoft.com/office/drawing/2014/main" id="{800BC058-E647-4A69-A2F1-5795EA42B4B5}"/>
+              </a:ext>
+            </a:extLst>
+          </p:cNvPr>
+          <p:cNvPicPr>
+            <a:picLocks noGrp="1" noChangeAspect="1" noChangeArrowheads="1"/>
+          </p:cNvPicPr>
+          <p:nvPr>
+            <p:ph sz="quarter" idx="1"/>
+          </p:nvPr>
+        </p:nvPicPr>
+        <p:blipFill>
+          <a:blip r:embed="rId2">
+            <a:extLst>
+              <a:ext uri="{28A0092B-C50C-407E-A947-70E740481C1C}">
+                <a14:useLocalDpi xmlns:a14="http://schemas.microsoft.com/office/drawing/2010/main" val="0"/>
+              </a:ext>
+            </a:extLst>
+          </a:blip>
+          <a:srcRect/>
+          <a:stretch>
+            <a:fillRect/>
+          </a:stretch>
+        </p:blipFill>
+        <p:spPr bwMode="auto">
+          <a:xfrm>
+            <a:off x="2229272" y="467022"/>
+            <a:ext cx="4608512" cy="6390978"/>
+          </a:xfrm>
+          <a:prstGeom prst="rect">
+            <a:avLst/>
+          </a:prstGeom>
+          <a:noFill/>
+          <a:extLst>
+            <a:ext uri="{909E8E84-426E-40DD-AFC4-6F175D3DCCD1}">
+              <a14:hiddenFill xmlns:a14="http://schemas.microsoft.com/office/drawing/2010/main">
+                <a:solidFill>
+                  <a:srgbClr val="FFFFFF"/>
+                </a:solidFill>
+              </a14:hiddenFill>
+            </a:ext>
+          </a:extLst>
+        </p:spPr>
+      </p:pic>
+      <p:sp>
+        <p:nvSpPr>
+          <p:cNvPr id="3" name="Oval 2">
+            <a:extLst>
+              <a:ext uri="{FF2B5EF4-FFF2-40B4-BE49-F238E27FC236}">
+                <a16:creationId xmlns:a16="http://schemas.microsoft.com/office/drawing/2014/main" id="{CC6A8C02-D5F9-403D-B2A9-956A98F45A16}"/>
+              </a:ext>
+            </a:extLst>
+          </p:cNvPr>
+          <p:cNvSpPr/>
+          <p:nvPr/>
+        </p:nvSpPr>
+        <p:spPr>
+          <a:xfrm>
+            <a:off x="3777444" y="2060848"/>
+            <a:ext cx="1512168" cy="720080"/>
+          </a:xfrm>
+          <a:prstGeom prst="ellipse">
+            <a:avLst/>
+          </a:prstGeom>
+          <a:noFill/>
+          <a:ln>
+            <a:solidFill>
+              <a:schemeClr val="accent1"/>
+            </a:solidFill>
+          </a:ln>
+          <a:effectLst>
+            <a:glow rad="228600">
+              <a:schemeClr val="accent1">
+                <a:satMod val="175000"/>
+                <a:alpha val="40000"/>
+              </a:schemeClr>
+            </a:glow>
+          </a:effectLst>
+        </p:spPr>
+        <p:style>
+          <a:lnRef idx="2">
+            <a:schemeClr val="accent1">
+              <a:shade val="50000"/>
+            </a:schemeClr>
+          </a:lnRef>
+          <a:fillRef idx="1">
+            <a:schemeClr val="accent1"/>
+          </a:fillRef>
+          <a:effectRef idx="0">
+            <a:schemeClr val="accent1"/>
+          </a:effectRef>
+          <a:fontRef idx="minor">
+            <a:schemeClr val="lt1"/>
+          </a:fontRef>
+        </p:style>
+        <p:txBody>
+          <a:bodyPr rtlCol="0" anchor="ctr"/>
+          <a:lstStyle/>
+          <a:p>
+            <a:pPr algn="ctr"/>
+            <a:endParaRPr lang="en-US"/>
+          </a:p>
+        </p:txBody>
+      </p:sp>
     </p:spTree>
     <p:extLst>
       <p:ext uri="{BB962C8B-B14F-4D97-AF65-F5344CB8AC3E}">
-        <p14:creationId xmlns:p14="http://schemas.microsoft.com/office/powerpoint/2010/main" val="3493122116"/>
+        <p14:creationId xmlns:p14="http://schemas.microsoft.com/office/powerpoint/2010/main" val="2923025740"/>
       </p:ext>
     </p:extLst>
   </p:cSld>
@@ -5709,7 +8930,13 @@
       </p:grpSpPr>
       <p:sp>
         <p:nvSpPr>
-          <p:cNvPr id="2" name="Заголовок 1"/>
+          <p:cNvPr id="2" name="Title 1">
+            <a:extLst>
+              <a:ext uri="{FF2B5EF4-FFF2-40B4-BE49-F238E27FC236}">
+                <a16:creationId xmlns:a16="http://schemas.microsoft.com/office/drawing/2014/main" id="{4B1B1DC3-DC0D-4353-A0F8-8AF126D023FA}"/>
+              </a:ext>
+            </a:extLst>
+          </p:cNvPr>
           <p:cNvSpPr>
             <a:spLocks noGrp="1"/>
           </p:cNvSpPr>
@@ -5719,8 +8946,8 @@
         </p:nvSpPr>
         <p:spPr>
           <a:xfrm>
-            <a:off x="2195736" y="2420888"/>
-            <a:ext cx="6120680" cy="1143000"/>
+            <a:off x="467544" y="-90464"/>
+            <a:ext cx="7467600" cy="1143000"/>
           </a:xfrm>
         </p:spPr>
         <p:txBody>
@@ -5729,14 +8956,21 @@
           <a:p>
             <a:r>
               <a:rPr lang="ru-RU" dirty="0"/>
-              <a:t>Спасибо за внимание</a:t>
-            </a:r>
-          </a:p>
-        </p:txBody>
-      </p:sp>
-      <p:sp>
-        <p:nvSpPr>
-          <p:cNvPr id="4" name="Номер слайда 3"/>
+              <a:t>Разминка, какого цвета?</a:t>
+            </a:r>
+            <a:endParaRPr lang="en-US" dirty="0"/>
+          </a:p>
+        </p:txBody>
+      </p:sp>
+      <p:sp>
+        <p:nvSpPr>
+          <p:cNvPr id="4" name="Slide Number Placeholder 3">
+            <a:extLst>
+              <a:ext uri="{FF2B5EF4-FFF2-40B4-BE49-F238E27FC236}">
+                <a16:creationId xmlns:a16="http://schemas.microsoft.com/office/drawing/2014/main" id="{CB917A75-BA24-479F-9D30-13FB2065784E}"/>
+              </a:ext>
+            </a:extLst>
+          </p:cNvPr>
           <p:cNvSpPr>
             <a:spLocks noGrp="1"/>
           </p:cNvSpPr>
@@ -5757,10 +8991,757 @@
           </a:p>
         </p:txBody>
       </p:sp>
+      <p:pic>
+        <p:nvPicPr>
+          <p:cNvPr id="5" name="Объект 3">
+            <a:extLst>
+              <a:ext uri="{FF2B5EF4-FFF2-40B4-BE49-F238E27FC236}">
+                <a16:creationId xmlns:a16="http://schemas.microsoft.com/office/drawing/2014/main" id="{E2BC3772-5514-4430-85A6-D25045236189}"/>
+              </a:ext>
+            </a:extLst>
+          </p:cNvPr>
+          <p:cNvPicPr>
+            <a:picLocks noChangeAspect="1"/>
+          </p:cNvPicPr>
+          <p:nvPr/>
+        </p:nvPicPr>
+        <p:blipFill>
+          <a:blip r:embed="rId2">
+            <a:extLst>
+              <a:ext uri="{28A0092B-C50C-407E-A947-70E740481C1C}">
+                <a14:useLocalDpi xmlns:a14="http://schemas.microsoft.com/office/drawing/2010/main" val="0"/>
+              </a:ext>
+            </a:extLst>
+          </a:blip>
+          <a:stretch>
+            <a:fillRect/>
+          </a:stretch>
+        </p:blipFill>
+        <p:spPr>
+          <a:xfrm>
+            <a:off x="2926538" y="1503212"/>
+            <a:ext cx="3216676" cy="4873752"/>
+          </a:xfrm>
+          <a:prstGeom prst="rect">
+            <a:avLst/>
+          </a:prstGeom>
+        </p:spPr>
+      </p:pic>
     </p:spTree>
     <p:extLst>
       <p:ext uri="{BB962C8B-B14F-4D97-AF65-F5344CB8AC3E}">
-        <p14:creationId xmlns:p14="http://schemas.microsoft.com/office/powerpoint/2010/main" val="1317993284"/>
+        <p14:creationId xmlns:p14="http://schemas.microsoft.com/office/powerpoint/2010/main" val="2829840008"/>
+      </p:ext>
+    </p:extLst>
+  </p:cSld>
+  <p:clrMapOvr>
+    <a:masterClrMapping/>
+  </p:clrMapOvr>
+</p:sld>
+</file>
+
+<file path=ppt/slides/slide5.xml><?xml version="1.0" encoding="utf-8"?>
+<p:sld xmlns:a="http://schemas.openxmlformats.org/drawingml/2006/main" xmlns:r="http://schemas.openxmlformats.org/officeDocument/2006/relationships" xmlns:p="http://schemas.openxmlformats.org/presentationml/2006/main">
+  <p:cSld>
+    <p:spTree>
+      <p:nvGrpSpPr>
+        <p:cNvPr id="1" name=""/>
+        <p:cNvGrpSpPr/>
+        <p:nvPr/>
+      </p:nvGrpSpPr>
+      <p:grpSpPr>
+        <a:xfrm>
+          <a:off x="0" y="0"/>
+          <a:ext cx="0" cy="0"/>
+          <a:chOff x="0" y="0"/>
+          <a:chExt cx="0" cy="0"/>
+        </a:xfrm>
+      </p:grpSpPr>
+      <p:sp>
+        <p:nvSpPr>
+          <p:cNvPr id="2" name="Title 1">
+            <a:extLst>
+              <a:ext uri="{FF2B5EF4-FFF2-40B4-BE49-F238E27FC236}">
+                <a16:creationId xmlns:a16="http://schemas.microsoft.com/office/drawing/2014/main" id="{4B1B1DC3-DC0D-4353-A0F8-8AF126D023FA}"/>
+              </a:ext>
+            </a:extLst>
+          </p:cNvPr>
+          <p:cNvSpPr>
+            <a:spLocks noGrp="1"/>
+          </p:cNvSpPr>
+          <p:nvPr>
+            <p:ph type="title"/>
+          </p:nvPr>
+        </p:nvSpPr>
+        <p:spPr>
+          <a:xfrm>
+            <a:off x="0" y="-9940"/>
+            <a:ext cx="8712968" cy="1143000"/>
+          </a:xfrm>
+        </p:spPr>
+        <p:txBody>
+          <a:bodyPr/>
+          <a:lstStyle/>
+          <a:p>
+            <a:r>
+              <a:rPr lang="ru-RU" dirty="0"/>
+              <a:t>Разминка, павлины одного цвета или нет?</a:t>
+            </a:r>
+            <a:endParaRPr lang="en-US" dirty="0"/>
+          </a:p>
+        </p:txBody>
+      </p:sp>
+      <p:sp>
+        <p:nvSpPr>
+          <p:cNvPr id="4" name="Slide Number Placeholder 3">
+            <a:extLst>
+              <a:ext uri="{FF2B5EF4-FFF2-40B4-BE49-F238E27FC236}">
+                <a16:creationId xmlns:a16="http://schemas.microsoft.com/office/drawing/2014/main" id="{CB917A75-BA24-479F-9D30-13FB2065784E}"/>
+              </a:ext>
+            </a:extLst>
+          </p:cNvPr>
+          <p:cNvSpPr>
+            <a:spLocks noGrp="1"/>
+          </p:cNvSpPr>
+          <p:nvPr>
+            <p:ph type="sldNum" sz="quarter" idx="15"/>
+          </p:nvPr>
+        </p:nvSpPr>
+        <p:spPr/>
+        <p:txBody>
+          <a:bodyPr/>
+          <a:lstStyle/>
+          <a:p>
+            <a:fld id="{64AFD7DF-275D-4362-92B1-655386778701}" type="slidenum">
+              <a:rPr lang="ru-RU" smtClean="0"/>
+              <a:t>5</a:t>
+            </a:fld>
+            <a:endParaRPr lang="ru-RU"/>
+          </a:p>
+        </p:txBody>
+      </p:sp>
+      <p:pic>
+        <p:nvPicPr>
+          <p:cNvPr id="6" name="Picture 2" descr="Павлин-мавлин">
+            <a:extLst>
+              <a:ext uri="{FF2B5EF4-FFF2-40B4-BE49-F238E27FC236}">
+                <a16:creationId xmlns:a16="http://schemas.microsoft.com/office/drawing/2014/main" id="{4521EE02-3E1F-483B-BF10-A79CD32443E4}"/>
+              </a:ext>
+            </a:extLst>
+          </p:cNvPr>
+          <p:cNvPicPr>
+            <a:picLocks noChangeAspect="1" noChangeArrowheads="1"/>
+          </p:cNvPicPr>
+          <p:nvPr/>
+        </p:nvPicPr>
+        <p:blipFill>
+          <a:blip r:embed="rId2">
+            <a:extLst>
+              <a:ext uri="{28A0092B-C50C-407E-A947-70E740481C1C}">
+                <a14:useLocalDpi xmlns:a14="http://schemas.microsoft.com/office/drawing/2010/main" val="0"/>
+              </a:ext>
+            </a:extLst>
+          </a:blip>
+          <a:srcRect/>
+          <a:stretch>
+            <a:fillRect/>
+          </a:stretch>
+        </p:blipFill>
+        <p:spPr bwMode="auto">
+          <a:xfrm>
+            <a:off x="1547664" y="1556792"/>
+            <a:ext cx="6267822" cy="4706178"/>
+          </a:xfrm>
+          <a:prstGeom prst="rect">
+            <a:avLst/>
+          </a:prstGeom>
+          <a:noFill/>
+          <a:extLst>
+            <a:ext uri="{909E8E84-426E-40DD-AFC4-6F175D3DCCD1}">
+              <a14:hiddenFill xmlns:a14="http://schemas.microsoft.com/office/drawing/2010/main">
+                <a:solidFill>
+                  <a:srgbClr val="FFFFFF"/>
+                </a:solidFill>
+              </a14:hiddenFill>
+            </a:ext>
+          </a:extLst>
+        </p:spPr>
+      </p:pic>
+    </p:spTree>
+    <p:extLst>
+      <p:ext uri="{BB962C8B-B14F-4D97-AF65-F5344CB8AC3E}">
+        <p14:creationId xmlns:p14="http://schemas.microsoft.com/office/powerpoint/2010/main" val="3861913698"/>
+      </p:ext>
+    </p:extLst>
+  </p:cSld>
+  <p:clrMapOvr>
+    <a:masterClrMapping/>
+  </p:clrMapOvr>
+</p:sld>
+</file>
+
+<file path=ppt/slides/slide6.xml><?xml version="1.0" encoding="utf-8"?>
+<p:sld xmlns:a="http://schemas.openxmlformats.org/drawingml/2006/main" xmlns:r="http://schemas.openxmlformats.org/officeDocument/2006/relationships" xmlns:p="http://schemas.openxmlformats.org/presentationml/2006/main">
+  <p:cSld>
+    <p:spTree>
+      <p:nvGrpSpPr>
+        <p:cNvPr id="1" name=""/>
+        <p:cNvGrpSpPr/>
+        <p:nvPr/>
+      </p:nvGrpSpPr>
+      <p:grpSpPr>
+        <a:xfrm>
+          <a:off x="0" y="0"/>
+          <a:ext cx="0" cy="0"/>
+          <a:chOff x="0" y="0"/>
+          <a:chExt cx="0" cy="0"/>
+        </a:xfrm>
+      </p:grpSpPr>
+      <p:sp>
+        <p:nvSpPr>
+          <p:cNvPr id="2" name="Title 1">
+            <a:extLst>
+              <a:ext uri="{FF2B5EF4-FFF2-40B4-BE49-F238E27FC236}">
+                <a16:creationId xmlns:a16="http://schemas.microsoft.com/office/drawing/2014/main" id="{4B1B1DC3-DC0D-4353-A0F8-8AF126D023FA}"/>
+              </a:ext>
+            </a:extLst>
+          </p:cNvPr>
+          <p:cNvSpPr>
+            <a:spLocks noGrp="1"/>
+          </p:cNvSpPr>
+          <p:nvPr>
+            <p:ph type="title"/>
+          </p:nvPr>
+        </p:nvSpPr>
+        <p:spPr>
+          <a:xfrm>
+            <a:off x="431292" y="-99392"/>
+            <a:ext cx="8281416" cy="1143000"/>
+          </a:xfrm>
+        </p:spPr>
+        <p:txBody>
+          <a:bodyPr/>
+          <a:lstStyle/>
+          <a:p>
+            <a:r>
+              <a:rPr lang="ru-RU" dirty="0"/>
+              <a:t>Разминка, А и В – одного цвета или нет?</a:t>
+            </a:r>
+            <a:endParaRPr lang="en-US" dirty="0"/>
+          </a:p>
+        </p:txBody>
+      </p:sp>
+      <p:sp>
+        <p:nvSpPr>
+          <p:cNvPr id="4" name="Slide Number Placeholder 3">
+            <a:extLst>
+              <a:ext uri="{FF2B5EF4-FFF2-40B4-BE49-F238E27FC236}">
+                <a16:creationId xmlns:a16="http://schemas.microsoft.com/office/drawing/2014/main" id="{CB917A75-BA24-479F-9D30-13FB2065784E}"/>
+              </a:ext>
+            </a:extLst>
+          </p:cNvPr>
+          <p:cNvSpPr>
+            <a:spLocks noGrp="1"/>
+          </p:cNvSpPr>
+          <p:nvPr>
+            <p:ph type="sldNum" sz="quarter" idx="15"/>
+          </p:nvPr>
+        </p:nvSpPr>
+        <p:spPr/>
+        <p:txBody>
+          <a:bodyPr/>
+          <a:lstStyle/>
+          <a:p>
+            <a:fld id="{64AFD7DF-275D-4362-92B1-655386778701}" type="slidenum">
+              <a:rPr lang="ru-RU" smtClean="0"/>
+              <a:t>6</a:t>
+            </a:fld>
+            <a:endParaRPr lang="ru-RU"/>
+          </a:p>
+        </p:txBody>
+      </p:sp>
+      <p:pic>
+        <p:nvPicPr>
+          <p:cNvPr id="5" name="Picture 2402">
+            <a:extLst>
+              <a:ext uri="{FF2B5EF4-FFF2-40B4-BE49-F238E27FC236}">
+                <a16:creationId xmlns:a16="http://schemas.microsoft.com/office/drawing/2014/main" id="{0B8CFB38-9E26-4D8F-9F7F-31DE423E91D0}"/>
+              </a:ext>
+            </a:extLst>
+          </p:cNvPr>
+          <p:cNvPicPr>
+            <a:picLocks noGrp="1"/>
+          </p:cNvPicPr>
+          <p:nvPr>
+            <p:ph idx="1"/>
+          </p:nvPr>
+        </p:nvPicPr>
+        <p:blipFill>
+          <a:blip r:embed="rId2"/>
+          <a:stretch>
+            <a:fillRect/>
+          </a:stretch>
+        </p:blipFill>
+        <p:spPr>
+          <a:xfrm>
+            <a:off x="1403648" y="1417639"/>
+            <a:ext cx="6552727" cy="5107706"/>
+          </a:xfrm>
+          <a:prstGeom prst="rect">
+            <a:avLst/>
+          </a:prstGeom>
+        </p:spPr>
+      </p:pic>
+    </p:spTree>
+    <p:extLst>
+      <p:ext uri="{BB962C8B-B14F-4D97-AF65-F5344CB8AC3E}">
+        <p14:creationId xmlns:p14="http://schemas.microsoft.com/office/powerpoint/2010/main" val="2422827768"/>
+      </p:ext>
+    </p:extLst>
+  </p:cSld>
+  <p:clrMapOvr>
+    <a:masterClrMapping/>
+  </p:clrMapOvr>
+</p:sld>
+</file>
+
+<file path=ppt/slides/slide7.xml><?xml version="1.0" encoding="utf-8"?>
+<p:sld xmlns:a="http://schemas.openxmlformats.org/drawingml/2006/main" xmlns:r="http://schemas.openxmlformats.org/officeDocument/2006/relationships" xmlns:p="http://schemas.openxmlformats.org/presentationml/2006/main">
+  <p:cSld>
+    <p:spTree>
+      <p:nvGrpSpPr>
+        <p:cNvPr id="1" name=""/>
+        <p:cNvGrpSpPr/>
+        <p:nvPr/>
+      </p:nvGrpSpPr>
+      <p:grpSpPr>
+        <a:xfrm>
+          <a:off x="0" y="0"/>
+          <a:ext cx="0" cy="0"/>
+          <a:chOff x="0" y="0"/>
+          <a:chExt cx="0" cy="0"/>
+        </a:xfrm>
+      </p:grpSpPr>
+      <p:sp>
+        <p:nvSpPr>
+          <p:cNvPr id="2" name="Title 1">
+            <a:extLst>
+              <a:ext uri="{FF2B5EF4-FFF2-40B4-BE49-F238E27FC236}">
+                <a16:creationId xmlns:a16="http://schemas.microsoft.com/office/drawing/2014/main" id="{33AB49E2-542B-4FFB-AF07-12810FB9EA1C}"/>
+              </a:ext>
+            </a:extLst>
+          </p:cNvPr>
+          <p:cNvSpPr>
+            <a:spLocks noGrp="1"/>
+          </p:cNvSpPr>
+          <p:nvPr>
+            <p:ph type="title"/>
+          </p:nvPr>
+        </p:nvSpPr>
+        <p:spPr/>
+        <p:txBody>
+          <a:bodyPr/>
+          <a:lstStyle/>
+          <a:p>
+            <a:r>
+              <a:rPr lang="en-US" dirty="0"/>
+              <a:t>TL;DR:</a:t>
+            </a:r>
+          </a:p>
+        </p:txBody>
+      </p:sp>
+      <p:sp>
+        <p:nvSpPr>
+          <p:cNvPr id="3" name="Content Placeholder 2">
+            <a:extLst>
+              <a:ext uri="{FF2B5EF4-FFF2-40B4-BE49-F238E27FC236}">
+                <a16:creationId xmlns:a16="http://schemas.microsoft.com/office/drawing/2014/main" id="{8DE3BE71-A1F3-44C7-B980-2312DAFF9A02}"/>
+              </a:ext>
+            </a:extLst>
+          </p:cNvPr>
+          <p:cNvSpPr>
+            <a:spLocks noGrp="1"/>
+          </p:cNvSpPr>
+          <p:nvPr>
+            <p:ph sz="quarter" idx="1"/>
+          </p:nvPr>
+        </p:nvSpPr>
+        <p:spPr/>
+        <p:txBody>
+          <a:bodyPr/>
+          <a:lstStyle/>
+          <a:p>
+            <a:r>
+              <a:rPr lang="ru-RU" dirty="0"/>
+              <a:t>Первая лекция про изображения, что это, как и почему</a:t>
+            </a:r>
+          </a:p>
+          <a:p>
+            <a:r>
+              <a:rPr lang="ru-RU" dirty="0"/>
+              <a:t>Основная тема – операция свертки</a:t>
+            </a:r>
+          </a:p>
+          <a:p>
+            <a:r>
+              <a:rPr lang="ru-RU" dirty="0"/>
+              <a:t>Задание на следующие занятие – реализация операции свертки с произвольным ядром на чистом </a:t>
+            </a:r>
+            <a:r>
+              <a:rPr lang="en-US" dirty="0"/>
+              <a:t>NumPy</a:t>
+            </a:r>
+            <a:r>
+              <a:rPr lang="ru-RU" dirty="0"/>
+              <a:t>, проверка правильности – сравнить с реализацией </a:t>
+            </a:r>
+            <a:r>
+              <a:rPr lang="en-US" dirty="0" err="1"/>
+              <a:t>scipy.ndimage.convolve</a:t>
+            </a:r>
+            <a:r>
+              <a:rPr lang="en-US" dirty="0"/>
+              <a:t>.</a:t>
+            </a:r>
+          </a:p>
+          <a:p>
+            <a:r>
+              <a:rPr lang="ru-RU" dirty="0"/>
+              <a:t>Код писать в соответствии с </a:t>
+            </a:r>
+            <a:r>
+              <a:rPr lang="en-US" dirty="0"/>
+              <a:t>PEP8</a:t>
+            </a:r>
+            <a:r>
+              <a:rPr lang="ru-RU" dirty="0"/>
+              <a:t> </a:t>
+            </a:r>
+            <a:endParaRPr lang="en-US" dirty="0"/>
+          </a:p>
+        </p:txBody>
+      </p:sp>
+      <p:sp>
+        <p:nvSpPr>
+          <p:cNvPr id="4" name="Slide Number Placeholder 3">
+            <a:extLst>
+              <a:ext uri="{FF2B5EF4-FFF2-40B4-BE49-F238E27FC236}">
+                <a16:creationId xmlns:a16="http://schemas.microsoft.com/office/drawing/2014/main" id="{474A4B39-FA16-43D6-A348-E816E0D7DBEB}"/>
+              </a:ext>
+            </a:extLst>
+          </p:cNvPr>
+          <p:cNvSpPr>
+            <a:spLocks noGrp="1"/>
+          </p:cNvSpPr>
+          <p:nvPr>
+            <p:ph type="sldNum" sz="quarter" idx="15"/>
+          </p:nvPr>
+        </p:nvSpPr>
+        <p:spPr/>
+        <p:txBody>
+          <a:bodyPr/>
+          <a:lstStyle/>
+          <a:p>
+            <a:fld id="{64AFD7DF-275D-4362-92B1-655386778701}" type="slidenum">
+              <a:rPr lang="ru-RU" smtClean="0"/>
+              <a:t>7</a:t>
+            </a:fld>
+            <a:endParaRPr lang="ru-RU"/>
+          </a:p>
+        </p:txBody>
+      </p:sp>
+    </p:spTree>
+    <p:extLst>
+      <p:ext uri="{BB962C8B-B14F-4D97-AF65-F5344CB8AC3E}">
+        <p14:creationId xmlns:p14="http://schemas.microsoft.com/office/powerpoint/2010/main" val="2484523736"/>
+      </p:ext>
+    </p:extLst>
+  </p:cSld>
+  <p:clrMapOvr>
+    <a:masterClrMapping/>
+  </p:clrMapOvr>
+</p:sld>
+</file>
+
+<file path=ppt/slides/slide8.xml><?xml version="1.0" encoding="utf-8"?>
+<p:sld xmlns:a="http://schemas.openxmlformats.org/drawingml/2006/main" xmlns:r="http://schemas.openxmlformats.org/officeDocument/2006/relationships" xmlns:p="http://schemas.openxmlformats.org/presentationml/2006/main">
+  <p:cSld>
+    <p:spTree>
+      <p:nvGrpSpPr>
+        <p:cNvPr id="1" name=""/>
+        <p:cNvGrpSpPr/>
+        <p:nvPr/>
+      </p:nvGrpSpPr>
+      <p:grpSpPr>
+        <a:xfrm>
+          <a:off x="0" y="0"/>
+          <a:ext cx="0" cy="0"/>
+          <a:chOff x="0" y="0"/>
+          <a:chExt cx="0" cy="0"/>
+        </a:xfrm>
+      </p:grpSpPr>
+      <p:sp>
+        <p:nvSpPr>
+          <p:cNvPr id="2" name="Title 1">
+            <a:extLst>
+              <a:ext uri="{FF2B5EF4-FFF2-40B4-BE49-F238E27FC236}">
+                <a16:creationId xmlns:a16="http://schemas.microsoft.com/office/drawing/2014/main" id="{27197D6C-AFDF-4756-A7D6-5E545D0AEDAE}"/>
+              </a:ext>
+            </a:extLst>
+          </p:cNvPr>
+          <p:cNvSpPr>
+            <a:spLocks noGrp="1"/>
+          </p:cNvSpPr>
+          <p:nvPr>
+            <p:ph type="title"/>
+          </p:nvPr>
+        </p:nvSpPr>
+        <p:spPr/>
+        <p:txBody>
+          <a:bodyPr/>
+          <a:lstStyle/>
+          <a:p>
+            <a:r>
+              <a:rPr lang="en-US" dirty="0"/>
+              <a:t>Python?</a:t>
+            </a:r>
+          </a:p>
+        </p:txBody>
+      </p:sp>
+      <p:sp>
+        <p:nvSpPr>
+          <p:cNvPr id="4" name="Slide Number Placeholder 3">
+            <a:extLst>
+              <a:ext uri="{FF2B5EF4-FFF2-40B4-BE49-F238E27FC236}">
+                <a16:creationId xmlns:a16="http://schemas.microsoft.com/office/drawing/2014/main" id="{E6A471A6-645E-4B4E-B2F8-0ED787899877}"/>
+              </a:ext>
+            </a:extLst>
+          </p:cNvPr>
+          <p:cNvSpPr>
+            <a:spLocks noGrp="1"/>
+          </p:cNvSpPr>
+          <p:nvPr>
+            <p:ph type="sldNum" sz="quarter" idx="15"/>
+          </p:nvPr>
+        </p:nvSpPr>
+        <p:spPr/>
+        <p:txBody>
+          <a:bodyPr/>
+          <a:lstStyle/>
+          <a:p>
+            <a:fld id="{64AFD7DF-275D-4362-92B1-655386778701}" type="slidenum">
+              <a:rPr lang="ru-RU" smtClean="0"/>
+              <a:t>8</a:t>
+            </a:fld>
+            <a:endParaRPr lang="ru-RU"/>
+          </a:p>
+        </p:txBody>
+      </p:sp>
+      <p:pic>
+        <p:nvPicPr>
+          <p:cNvPr id="5" name="Picture 2" descr="https://tproger2.azureedge.net/wp-content/uploads/2016/07/Python.png">
+            <a:extLst>
+              <a:ext uri="{FF2B5EF4-FFF2-40B4-BE49-F238E27FC236}">
+                <a16:creationId xmlns:a16="http://schemas.microsoft.com/office/drawing/2014/main" id="{9708167E-F1E9-4E26-8933-F68523BFD8D4}"/>
+              </a:ext>
+            </a:extLst>
+          </p:cNvPr>
+          <p:cNvPicPr>
+            <a:picLocks noGrp="1" noChangeAspect="1" noChangeArrowheads="1"/>
+          </p:cNvPicPr>
+          <p:nvPr>
+            <p:ph sz="quarter" idx="1"/>
+          </p:nvPr>
+        </p:nvPicPr>
+        <p:blipFill>
+          <a:blip r:embed="rId2">
+            <a:extLst>
+              <a:ext uri="{28A0092B-C50C-407E-A947-70E740481C1C}">
+                <a14:useLocalDpi xmlns:a14="http://schemas.microsoft.com/office/drawing/2010/main" val="0"/>
+              </a:ext>
+            </a:extLst>
+          </a:blip>
+          <a:srcRect/>
+          <a:stretch>
+            <a:fillRect/>
+          </a:stretch>
+        </p:blipFill>
+        <p:spPr bwMode="auto">
+          <a:xfrm>
+            <a:off x="904875" y="2143125"/>
+            <a:ext cx="7334250" cy="2571750"/>
+          </a:xfrm>
+          <a:prstGeom prst="rect">
+            <a:avLst/>
+          </a:prstGeom>
+          <a:noFill/>
+          <a:extLst>
+            <a:ext uri="{909E8E84-426E-40DD-AFC4-6F175D3DCCD1}">
+              <a14:hiddenFill xmlns:a14="http://schemas.microsoft.com/office/drawing/2010/main">
+                <a:solidFill>
+                  <a:srgbClr val="FFFFFF"/>
+                </a:solidFill>
+              </a14:hiddenFill>
+            </a:ext>
+          </a:extLst>
+        </p:spPr>
+      </p:pic>
+    </p:spTree>
+    <p:extLst>
+      <p:ext uri="{BB962C8B-B14F-4D97-AF65-F5344CB8AC3E}">
+        <p14:creationId xmlns:p14="http://schemas.microsoft.com/office/powerpoint/2010/main" val="1879893435"/>
+      </p:ext>
+    </p:extLst>
+  </p:cSld>
+  <p:clrMapOvr>
+    <a:masterClrMapping/>
+  </p:clrMapOvr>
+</p:sld>
+</file>
+
+<file path=ppt/slides/slide9.xml><?xml version="1.0" encoding="utf-8"?>
+<p:sld xmlns:a="http://schemas.openxmlformats.org/drawingml/2006/main" xmlns:r="http://schemas.openxmlformats.org/officeDocument/2006/relationships" xmlns:p="http://schemas.openxmlformats.org/presentationml/2006/main">
+  <p:cSld>
+    <p:spTree>
+      <p:nvGrpSpPr>
+        <p:cNvPr id="1" name=""/>
+        <p:cNvGrpSpPr/>
+        <p:nvPr/>
+      </p:nvGrpSpPr>
+      <p:grpSpPr>
+        <a:xfrm>
+          <a:off x="0" y="0"/>
+          <a:ext cx="0" cy="0"/>
+          <a:chOff x="0" y="0"/>
+          <a:chExt cx="0" cy="0"/>
+        </a:xfrm>
+      </p:grpSpPr>
+      <p:sp>
+        <p:nvSpPr>
+          <p:cNvPr id="2" name="Заголовок 1"/>
+          <p:cNvSpPr>
+            <a:spLocks noGrp="1"/>
+          </p:cNvSpPr>
+          <p:nvPr>
+            <p:ph type="title"/>
+          </p:nvPr>
+        </p:nvSpPr>
+        <p:spPr>
+          <a:xfrm>
+            <a:off x="467544" y="-315416"/>
+            <a:ext cx="7467600" cy="1143000"/>
+          </a:xfrm>
+        </p:spPr>
+        <p:txBody>
+          <a:bodyPr/>
+          <a:lstStyle/>
+          <a:p>
+            <a:r>
+              <a:rPr lang="en-US" dirty="0"/>
+              <a:t>Agenda</a:t>
+            </a:r>
+            <a:endParaRPr lang="ru-RU" dirty="0"/>
+          </a:p>
+        </p:txBody>
+      </p:sp>
+      <p:sp>
+        <p:nvSpPr>
+          <p:cNvPr id="4" name="Номер слайда 3"/>
+          <p:cNvSpPr>
+            <a:spLocks noGrp="1"/>
+          </p:cNvSpPr>
+          <p:nvPr>
+            <p:ph type="sldNum" sz="quarter" idx="15"/>
+          </p:nvPr>
+        </p:nvSpPr>
+        <p:spPr/>
+        <p:txBody>
+          <a:bodyPr/>
+          <a:lstStyle/>
+          <a:p>
+            <a:fld id="{64AFD7DF-275D-4362-92B1-655386778701}" type="slidenum">
+              <a:rPr lang="ru-RU" smtClean="0"/>
+              <a:t>9</a:t>
+            </a:fld>
+            <a:endParaRPr lang="ru-RU"/>
+          </a:p>
+        </p:txBody>
+      </p:sp>
+      <p:sp>
+        <p:nvSpPr>
+          <p:cNvPr id="7" name="Content Placeholder 6">
+            <a:extLst>
+              <a:ext uri="{FF2B5EF4-FFF2-40B4-BE49-F238E27FC236}">
+                <a16:creationId xmlns:a16="http://schemas.microsoft.com/office/drawing/2014/main" id="{7304AA13-7434-4AA6-B977-E6EF380863BF}"/>
+              </a:ext>
+            </a:extLst>
+          </p:cNvPr>
+          <p:cNvSpPr>
+            <a:spLocks noGrp="1"/>
+          </p:cNvSpPr>
+          <p:nvPr>
+            <p:ph sz="quarter" idx="1"/>
+          </p:nvPr>
+        </p:nvSpPr>
+        <p:spPr/>
+        <p:txBody>
+          <a:bodyPr/>
+          <a:lstStyle/>
+          <a:p>
+            <a:r>
+              <a:rPr lang="ru-RU" dirty="0"/>
+              <a:t>Что такое изображение?</a:t>
+            </a:r>
+          </a:p>
+          <a:p>
+            <a:r>
+              <a:rPr lang="ru-RU" dirty="0"/>
+              <a:t>Типы изображений</a:t>
+            </a:r>
+            <a:endParaRPr lang="en-US" dirty="0"/>
+          </a:p>
+          <a:p>
+            <a:r>
+              <a:rPr lang="ru-RU" dirty="0"/>
+              <a:t>Источники изображений</a:t>
+            </a:r>
+            <a:endParaRPr lang="en-US" dirty="0"/>
+          </a:p>
+          <a:p>
+            <a:r>
+              <a:rPr lang="ru-RU" dirty="0"/>
+              <a:t>Зачем анализировать изображения?</a:t>
+            </a:r>
+          </a:p>
+          <a:p>
+            <a:r>
+              <a:rPr lang="ru-RU" dirty="0"/>
+              <a:t>Цветовые модели и каналы</a:t>
+            </a:r>
+          </a:p>
+          <a:p>
+            <a:r>
+              <a:rPr lang="ru-RU" dirty="0"/>
+              <a:t>Изображения в </a:t>
+            </a:r>
+            <a:r>
+              <a:rPr lang="en-US" dirty="0"/>
+              <a:t>Python</a:t>
+            </a:r>
+          </a:p>
+          <a:p>
+            <a:r>
+              <a:rPr lang="ru-RU" dirty="0"/>
+              <a:t>Операция свертки</a:t>
+            </a:r>
+            <a:endParaRPr lang="en-US" dirty="0"/>
+          </a:p>
+        </p:txBody>
+      </p:sp>
+    </p:spTree>
+    <p:extLst>
+      <p:ext uri="{BB962C8B-B14F-4D97-AF65-F5344CB8AC3E}">
+        <p14:creationId xmlns:p14="http://schemas.microsoft.com/office/powerpoint/2010/main" val="3527089515"/>
       </p:ext>
     </p:extLst>
   </p:cSld>
